--- a/박병근/Talk/회화_초안.pptx
+++ b/박병근/Talk/회화_초안.pptx
@@ -5,7 +5,7 @@
     <p:sldMasterId id="2147483660" r:id="rId1"/>
   </p:sldMasterIdLst>
   <p:notesMasterIdLst>
-    <p:notesMasterId r:id="rId11"/>
+    <p:notesMasterId r:id="rId13"/>
   </p:notesMasterIdLst>
   <p:sldIdLst>
     <p:sldId id="256" r:id="rId2"/>
@@ -17,6 +17,8 @@
     <p:sldId id="260" r:id="rId8"/>
     <p:sldId id="263" r:id="rId9"/>
     <p:sldId id="264" r:id="rId10"/>
+    <p:sldId id="265" r:id="rId11"/>
+    <p:sldId id="266" r:id="rId12"/>
   </p:sldIdLst>
   <p:sldSz cx="6858000" cy="12192000"/>
   <p:notesSz cx="6858000" cy="9144000"/>
@@ -216,7 +218,7 @@
           <a:p>
             <a:fld id="{EFD1DECA-A806-4628-B5A2-2AB67F52E40D}" type="datetimeFigureOut">
               <a:rPr lang="ko-KR" altLang="en-US" smtClean="0"/>
-              <a:t>2019-01-06</a:t>
+              <a:t>2019-01-07</a:t>
             </a:fld>
             <a:endParaRPr lang="ko-KR" altLang="en-US"/>
           </a:p>
@@ -1547,6 +1549,310 @@
 </p:notes>
 </file>
 
+<file path=ppt/notesSlides/notesSlide8.xml><?xml version="1.0" encoding="utf-8"?>
+<p:notes xmlns:a="http://schemas.openxmlformats.org/drawingml/2006/main" xmlns:r="http://schemas.openxmlformats.org/officeDocument/2006/relationships" xmlns:p="http://schemas.openxmlformats.org/presentationml/2006/main">
+  <p:cSld>
+    <p:spTree>
+      <p:nvGrpSpPr>
+        <p:cNvPr id="1" name=""/>
+        <p:cNvGrpSpPr/>
+        <p:nvPr/>
+      </p:nvGrpSpPr>
+      <p:grpSpPr>
+        <a:xfrm>
+          <a:off x="0" y="0"/>
+          <a:ext cx="0" cy="0"/>
+          <a:chOff x="0" y="0"/>
+          <a:chExt cx="0" cy="0"/>
+        </a:xfrm>
+      </p:grpSpPr>
+      <p:sp>
+        <p:nvSpPr>
+          <p:cNvPr id="2" name="슬라이드 이미지 개체 틀 1"/>
+          <p:cNvSpPr>
+            <a:spLocks noGrp="1" noRot="1" noChangeAspect="1"/>
+          </p:cNvSpPr>
+          <p:nvPr>
+            <p:ph type="sldImg"/>
+          </p:nvPr>
+        </p:nvSpPr>
+        <p:spPr/>
+      </p:sp>
+      <p:sp>
+        <p:nvSpPr>
+          <p:cNvPr id="3" name="슬라이드 노트 개체 틀 2"/>
+          <p:cNvSpPr>
+            <a:spLocks noGrp="1"/>
+          </p:cNvSpPr>
+          <p:nvPr>
+            <p:ph type="body" idx="1"/>
+          </p:nvPr>
+        </p:nvSpPr>
+        <p:spPr/>
+        <p:txBody>
+          <a:bodyPr/>
+          <a:lstStyle/>
+          <a:p>
+            <a:r>
+              <a:rPr lang="ko-KR" altLang="en-US" b="1" dirty="0"/>
+              <a:t>교육</a:t>
+            </a:r>
+          </a:p>
+          <a:p>
+            <a:r>
+              <a:rPr lang="ko-KR" altLang="en-US" b="1" dirty="0"/>
+              <a:t>자음</a:t>
+            </a:r>
+            <a:r>
+              <a:rPr lang="en-US" altLang="ko-KR" b="1" dirty="0"/>
+              <a:t>, </a:t>
+            </a:r>
+            <a:r>
+              <a:rPr lang="ko-KR" altLang="en-US" b="1" dirty="0" err="1"/>
+              <a:t>쌍자음</a:t>
+            </a:r>
+            <a:endParaRPr lang="ko-KR" altLang="en-US" b="1" dirty="0"/>
+          </a:p>
+          <a:p>
+            <a:r>
+              <a:rPr lang="ko-KR" altLang="en-US" b="1" dirty="0"/>
+              <a:t>모음</a:t>
+            </a:r>
+            <a:r>
+              <a:rPr lang="en-US" altLang="ko-KR" b="1" dirty="0"/>
+              <a:t>,</a:t>
+            </a:r>
+            <a:r>
+              <a:rPr lang="ko-KR" altLang="en-US" b="1" dirty="0"/>
+              <a:t>이중모음</a:t>
+            </a:r>
+          </a:p>
+          <a:p>
+            <a:endParaRPr lang="ko-KR" altLang="en-US" b="1" dirty="0"/>
+          </a:p>
+          <a:p>
+            <a:r>
+              <a:rPr lang="ko-KR" altLang="en-US" b="1" dirty="0"/>
+              <a:t>일반 회화</a:t>
+            </a:r>
+          </a:p>
+          <a:p>
+            <a:r>
+              <a:rPr lang="ko-KR" altLang="en-US" b="1" dirty="0"/>
+              <a:t>길 묻기</a:t>
+            </a:r>
+          </a:p>
+          <a:p>
+            <a:r>
+              <a:rPr lang="ko-KR" altLang="en-US" b="1" dirty="0"/>
+              <a:t>지하철 이용하기</a:t>
+            </a:r>
+          </a:p>
+          <a:p>
+            <a:r>
+              <a:rPr lang="ko-KR" altLang="en-US" b="1" dirty="0"/>
+              <a:t>가게 방문하기</a:t>
+            </a:r>
+          </a:p>
+          <a:p>
+            <a:endParaRPr lang="ko-KR" altLang="en-US" b="1" dirty="0"/>
+          </a:p>
+          <a:p>
+            <a:r>
+              <a:rPr lang="ko-KR" altLang="en-US" b="1" dirty="0"/>
+              <a:t>단어장</a:t>
+            </a:r>
+          </a:p>
+        </p:txBody>
+      </p:sp>
+      <p:sp>
+        <p:nvSpPr>
+          <p:cNvPr id="4" name="슬라이드 번호 개체 틀 3"/>
+          <p:cNvSpPr>
+            <a:spLocks noGrp="1"/>
+          </p:cNvSpPr>
+          <p:nvPr>
+            <p:ph type="sldNum" sz="quarter" idx="5"/>
+          </p:nvPr>
+        </p:nvSpPr>
+        <p:spPr/>
+        <p:txBody>
+          <a:bodyPr/>
+          <a:lstStyle/>
+          <a:p>
+            <a:fld id="{673C828A-6012-4FFC-9FA7-8B0B87AF9017}" type="slidenum">
+              <a:rPr lang="ko-KR" altLang="en-US" smtClean="0"/>
+              <a:t>10</a:t>
+            </a:fld>
+            <a:endParaRPr lang="ko-KR" altLang="en-US"/>
+          </a:p>
+        </p:txBody>
+      </p:sp>
+    </p:spTree>
+    <p:extLst>
+      <p:ext uri="{BB962C8B-B14F-4D97-AF65-F5344CB8AC3E}">
+        <p14:creationId xmlns:p14="http://schemas.microsoft.com/office/powerpoint/2010/main" val="3487037515"/>
+      </p:ext>
+    </p:extLst>
+  </p:cSld>
+  <p:clrMapOvr>
+    <a:masterClrMapping/>
+  </p:clrMapOvr>
+</p:notes>
+</file>
+
+<file path=ppt/notesSlides/notesSlide9.xml><?xml version="1.0" encoding="utf-8"?>
+<p:notes xmlns:a="http://schemas.openxmlformats.org/drawingml/2006/main" xmlns:r="http://schemas.openxmlformats.org/officeDocument/2006/relationships" xmlns:p="http://schemas.openxmlformats.org/presentationml/2006/main">
+  <p:cSld>
+    <p:spTree>
+      <p:nvGrpSpPr>
+        <p:cNvPr id="1" name=""/>
+        <p:cNvGrpSpPr/>
+        <p:nvPr/>
+      </p:nvGrpSpPr>
+      <p:grpSpPr>
+        <a:xfrm>
+          <a:off x="0" y="0"/>
+          <a:ext cx="0" cy="0"/>
+          <a:chOff x="0" y="0"/>
+          <a:chExt cx="0" cy="0"/>
+        </a:xfrm>
+      </p:grpSpPr>
+      <p:sp>
+        <p:nvSpPr>
+          <p:cNvPr id="2" name="슬라이드 이미지 개체 틀 1"/>
+          <p:cNvSpPr>
+            <a:spLocks noGrp="1" noRot="1" noChangeAspect="1"/>
+          </p:cNvSpPr>
+          <p:nvPr>
+            <p:ph type="sldImg"/>
+          </p:nvPr>
+        </p:nvSpPr>
+        <p:spPr/>
+      </p:sp>
+      <p:sp>
+        <p:nvSpPr>
+          <p:cNvPr id="3" name="슬라이드 노트 개체 틀 2"/>
+          <p:cNvSpPr>
+            <a:spLocks noGrp="1"/>
+          </p:cNvSpPr>
+          <p:nvPr>
+            <p:ph type="body" idx="1"/>
+          </p:nvPr>
+        </p:nvSpPr>
+        <p:spPr/>
+        <p:txBody>
+          <a:bodyPr/>
+          <a:lstStyle/>
+          <a:p>
+            <a:r>
+              <a:rPr lang="ko-KR" altLang="en-US" b="1" dirty="0"/>
+              <a:t>교육</a:t>
+            </a:r>
+          </a:p>
+          <a:p>
+            <a:r>
+              <a:rPr lang="ko-KR" altLang="en-US" b="1" dirty="0"/>
+              <a:t>자음</a:t>
+            </a:r>
+            <a:r>
+              <a:rPr lang="en-US" altLang="ko-KR" b="1" dirty="0"/>
+              <a:t>, </a:t>
+            </a:r>
+            <a:r>
+              <a:rPr lang="ko-KR" altLang="en-US" b="1" dirty="0" err="1"/>
+              <a:t>쌍자음</a:t>
+            </a:r>
+            <a:endParaRPr lang="ko-KR" altLang="en-US" b="1" dirty="0"/>
+          </a:p>
+          <a:p>
+            <a:r>
+              <a:rPr lang="ko-KR" altLang="en-US" b="1" dirty="0"/>
+              <a:t>모음</a:t>
+            </a:r>
+            <a:r>
+              <a:rPr lang="en-US" altLang="ko-KR" b="1" dirty="0"/>
+              <a:t>,</a:t>
+            </a:r>
+            <a:r>
+              <a:rPr lang="ko-KR" altLang="en-US" b="1" dirty="0"/>
+              <a:t>이중모음</a:t>
+            </a:r>
+          </a:p>
+          <a:p>
+            <a:endParaRPr lang="ko-KR" altLang="en-US" b="1" dirty="0"/>
+          </a:p>
+          <a:p>
+            <a:r>
+              <a:rPr lang="ko-KR" altLang="en-US" b="1" dirty="0"/>
+              <a:t>일반 회화</a:t>
+            </a:r>
+          </a:p>
+          <a:p>
+            <a:r>
+              <a:rPr lang="ko-KR" altLang="en-US" b="1" dirty="0"/>
+              <a:t>길 묻기</a:t>
+            </a:r>
+          </a:p>
+          <a:p>
+            <a:r>
+              <a:rPr lang="ko-KR" altLang="en-US" b="1" dirty="0"/>
+              <a:t>지하철 이용하기</a:t>
+            </a:r>
+          </a:p>
+          <a:p>
+            <a:r>
+              <a:rPr lang="ko-KR" altLang="en-US" b="1" dirty="0"/>
+              <a:t>가게 방문하기</a:t>
+            </a:r>
+          </a:p>
+          <a:p>
+            <a:endParaRPr lang="ko-KR" altLang="en-US" b="1" dirty="0"/>
+          </a:p>
+          <a:p>
+            <a:r>
+              <a:rPr lang="ko-KR" altLang="en-US" b="1" dirty="0"/>
+              <a:t>단어장</a:t>
+            </a:r>
+          </a:p>
+        </p:txBody>
+      </p:sp>
+      <p:sp>
+        <p:nvSpPr>
+          <p:cNvPr id="4" name="슬라이드 번호 개체 틀 3"/>
+          <p:cNvSpPr>
+            <a:spLocks noGrp="1"/>
+          </p:cNvSpPr>
+          <p:nvPr>
+            <p:ph type="sldNum" sz="quarter" idx="5"/>
+          </p:nvPr>
+        </p:nvSpPr>
+        <p:spPr/>
+        <p:txBody>
+          <a:bodyPr/>
+          <a:lstStyle/>
+          <a:p>
+            <a:fld id="{673C828A-6012-4FFC-9FA7-8B0B87AF9017}" type="slidenum">
+              <a:rPr lang="ko-KR" altLang="en-US" smtClean="0"/>
+              <a:t>11</a:t>
+            </a:fld>
+            <a:endParaRPr lang="ko-KR" altLang="en-US"/>
+          </a:p>
+        </p:txBody>
+      </p:sp>
+    </p:spTree>
+    <p:extLst>
+      <p:ext uri="{BB962C8B-B14F-4D97-AF65-F5344CB8AC3E}">
+        <p14:creationId xmlns:p14="http://schemas.microsoft.com/office/powerpoint/2010/main" val="2530525410"/>
+      </p:ext>
+    </p:extLst>
+  </p:cSld>
+  <p:clrMapOvr>
+    <a:masterClrMapping/>
+  </p:clrMapOvr>
+</p:notes>
+</file>
+
 <file path=ppt/slideLayouts/slideLayout1.xml><?xml version="1.0" encoding="utf-8"?>
 <p:sldLayout xmlns:a="http://schemas.openxmlformats.org/drawingml/2006/main" xmlns:r="http://schemas.openxmlformats.org/officeDocument/2006/relationships" xmlns:p="http://schemas.openxmlformats.org/presentationml/2006/main" type="title" preserve="1">
   <p:cSld name="제목 슬라이드">
@@ -1678,7 +1984,7 @@
           <a:p>
             <a:fld id="{AC3BDBC1-30EE-4A11-BC5D-C1E2108949AB}" type="datetimeFigureOut">
               <a:rPr lang="ko-KR" altLang="en-US" smtClean="0"/>
-              <a:t>2019-01-06</a:t>
+              <a:t>2019-01-07</a:t>
             </a:fld>
             <a:endParaRPr lang="ko-KR" altLang="en-US"/>
           </a:p>
@@ -1848,7 +2154,7 @@
           <a:p>
             <a:fld id="{AC3BDBC1-30EE-4A11-BC5D-C1E2108949AB}" type="datetimeFigureOut">
               <a:rPr lang="ko-KR" altLang="en-US" smtClean="0"/>
-              <a:t>2019-01-06</a:t>
+              <a:t>2019-01-07</a:t>
             </a:fld>
             <a:endParaRPr lang="ko-KR" altLang="en-US"/>
           </a:p>
@@ -2028,7 +2334,7 @@
           <a:p>
             <a:fld id="{AC3BDBC1-30EE-4A11-BC5D-C1E2108949AB}" type="datetimeFigureOut">
               <a:rPr lang="ko-KR" altLang="en-US" smtClean="0"/>
-              <a:t>2019-01-06</a:t>
+              <a:t>2019-01-07</a:t>
             </a:fld>
             <a:endParaRPr lang="ko-KR" altLang="en-US"/>
           </a:p>
@@ -2198,7 +2504,7 @@
           <a:p>
             <a:fld id="{AC3BDBC1-30EE-4A11-BC5D-C1E2108949AB}" type="datetimeFigureOut">
               <a:rPr lang="ko-KR" altLang="en-US" smtClean="0"/>
-              <a:t>2019-01-06</a:t>
+              <a:t>2019-01-07</a:t>
             </a:fld>
             <a:endParaRPr lang="ko-KR" altLang="en-US"/>
           </a:p>
@@ -2442,7 +2748,7 @@
           <a:p>
             <a:fld id="{AC3BDBC1-30EE-4A11-BC5D-C1E2108949AB}" type="datetimeFigureOut">
               <a:rPr lang="ko-KR" altLang="en-US" smtClean="0"/>
-              <a:t>2019-01-06</a:t>
+              <a:t>2019-01-07</a:t>
             </a:fld>
             <a:endParaRPr lang="ko-KR" altLang="en-US"/>
           </a:p>
@@ -2674,7 +2980,7 @@
           <a:p>
             <a:fld id="{AC3BDBC1-30EE-4A11-BC5D-C1E2108949AB}" type="datetimeFigureOut">
               <a:rPr lang="ko-KR" altLang="en-US" smtClean="0"/>
-              <a:t>2019-01-06</a:t>
+              <a:t>2019-01-07</a:t>
             </a:fld>
             <a:endParaRPr lang="ko-KR" altLang="en-US"/>
           </a:p>
@@ -3041,7 +3347,7 @@
           <a:p>
             <a:fld id="{AC3BDBC1-30EE-4A11-BC5D-C1E2108949AB}" type="datetimeFigureOut">
               <a:rPr lang="ko-KR" altLang="en-US" smtClean="0"/>
-              <a:t>2019-01-06</a:t>
+              <a:t>2019-01-07</a:t>
             </a:fld>
             <a:endParaRPr lang="ko-KR" altLang="en-US"/>
           </a:p>
@@ -3159,7 +3465,7 @@
           <a:p>
             <a:fld id="{AC3BDBC1-30EE-4A11-BC5D-C1E2108949AB}" type="datetimeFigureOut">
               <a:rPr lang="ko-KR" altLang="en-US" smtClean="0"/>
-              <a:t>2019-01-06</a:t>
+              <a:t>2019-01-07</a:t>
             </a:fld>
             <a:endParaRPr lang="ko-KR" altLang="en-US"/>
           </a:p>
@@ -3254,7 +3560,7 @@
           <a:p>
             <a:fld id="{AC3BDBC1-30EE-4A11-BC5D-C1E2108949AB}" type="datetimeFigureOut">
               <a:rPr lang="ko-KR" altLang="en-US" smtClean="0"/>
-              <a:t>2019-01-06</a:t>
+              <a:t>2019-01-07</a:t>
             </a:fld>
             <a:endParaRPr lang="ko-KR" altLang="en-US"/>
           </a:p>
@@ -3531,7 +3837,7 @@
           <a:p>
             <a:fld id="{AC3BDBC1-30EE-4A11-BC5D-C1E2108949AB}" type="datetimeFigureOut">
               <a:rPr lang="ko-KR" altLang="en-US" smtClean="0"/>
-              <a:t>2019-01-06</a:t>
+              <a:t>2019-01-07</a:t>
             </a:fld>
             <a:endParaRPr lang="ko-KR" altLang="en-US"/>
           </a:p>
@@ -3788,7 +4094,7 @@
           <a:p>
             <a:fld id="{AC3BDBC1-30EE-4A11-BC5D-C1E2108949AB}" type="datetimeFigureOut">
               <a:rPr lang="ko-KR" altLang="en-US" smtClean="0"/>
-              <a:t>2019-01-06</a:t>
+              <a:t>2019-01-07</a:t>
             </a:fld>
             <a:endParaRPr lang="ko-KR" altLang="en-US"/>
           </a:p>
@@ -4001,7 +4307,7 @@
           <a:p>
             <a:fld id="{AC3BDBC1-30EE-4A11-BC5D-C1E2108949AB}" type="datetimeFigureOut">
               <a:rPr lang="ko-KR" altLang="en-US" smtClean="0"/>
-              <a:t>2019-01-06</a:t>
+              <a:t>2019-01-07</a:t>
             </a:fld>
             <a:endParaRPr lang="ko-KR" altLang="en-US"/>
           </a:p>
@@ -4946,6 +5252,2101 @@
 </p:sld>
 </file>
 
+<file path=ppt/slides/slide10.xml><?xml version="1.0" encoding="utf-8"?>
+<p:sld xmlns:a="http://schemas.openxmlformats.org/drawingml/2006/main" xmlns:r="http://schemas.openxmlformats.org/officeDocument/2006/relationships" xmlns:p="http://schemas.openxmlformats.org/presentationml/2006/main">
+  <p:cSld>
+    <p:spTree>
+      <p:nvGrpSpPr>
+        <p:cNvPr id="1" name=""/>
+        <p:cNvGrpSpPr/>
+        <p:nvPr/>
+      </p:nvGrpSpPr>
+      <p:grpSpPr>
+        <a:xfrm>
+          <a:off x="0" y="0"/>
+          <a:ext cx="0" cy="0"/>
+          <a:chOff x="0" y="0"/>
+          <a:chExt cx="0" cy="0"/>
+        </a:xfrm>
+      </p:grpSpPr>
+      <p:sp>
+        <p:nvSpPr>
+          <p:cNvPr id="19" name="직사각형 18">
+            <a:extLst>
+              <a:ext uri="{FF2B5EF4-FFF2-40B4-BE49-F238E27FC236}">
+                <a16:creationId xmlns:a16="http://schemas.microsoft.com/office/drawing/2014/main" id="{49E753FB-A7FD-49AD-8506-96121857F67E}"/>
+              </a:ext>
+            </a:extLst>
+          </p:cNvPr>
+          <p:cNvSpPr/>
+          <p:nvPr/>
+        </p:nvSpPr>
+        <p:spPr>
+          <a:xfrm>
+            <a:off x="0" y="0"/>
+            <a:ext cx="6858000" cy="9468962"/>
+          </a:xfrm>
+          <a:prstGeom prst="rect">
+            <a:avLst/>
+          </a:prstGeom>
+          <a:solidFill>
+            <a:srgbClr val="E2E9F1"/>
+          </a:solidFill>
+        </p:spPr>
+        <p:style>
+          <a:lnRef idx="1">
+            <a:schemeClr val="accent4"/>
+          </a:lnRef>
+          <a:fillRef idx="2">
+            <a:schemeClr val="accent4"/>
+          </a:fillRef>
+          <a:effectRef idx="1">
+            <a:schemeClr val="accent4"/>
+          </a:effectRef>
+          <a:fontRef idx="minor">
+            <a:schemeClr val="dk1"/>
+          </a:fontRef>
+        </p:style>
+        <p:txBody>
+          <a:bodyPr rtlCol="0" anchor="ctr"/>
+          <a:lstStyle/>
+          <a:p>
+            <a:pPr algn="ctr"/>
+            <a:endParaRPr lang="ko-KR" altLang="en-US" dirty="0"/>
+          </a:p>
+        </p:txBody>
+      </p:sp>
+      <p:sp>
+        <p:nvSpPr>
+          <p:cNvPr id="5" name="사각형: 둥근 모서리 4">
+            <a:extLst>
+              <a:ext uri="{FF2B5EF4-FFF2-40B4-BE49-F238E27FC236}">
+                <a16:creationId xmlns:a16="http://schemas.microsoft.com/office/drawing/2014/main" id="{39275797-31EF-4E70-A927-A6FB7B4717FC}"/>
+              </a:ext>
+            </a:extLst>
+          </p:cNvPr>
+          <p:cNvSpPr/>
+          <p:nvPr/>
+        </p:nvSpPr>
+        <p:spPr>
+          <a:xfrm>
+            <a:off x="505642" y="1188529"/>
+            <a:ext cx="4482743" cy="882023"/>
+          </a:xfrm>
+          <a:prstGeom prst="roundRect">
+            <a:avLst>
+              <a:gd name="adj" fmla="val 27210"/>
+            </a:avLst>
+          </a:prstGeom>
+          <a:ln/>
+        </p:spPr>
+        <p:style>
+          <a:lnRef idx="3">
+            <a:schemeClr val="lt1"/>
+          </a:lnRef>
+          <a:fillRef idx="1">
+            <a:schemeClr val="accent5"/>
+          </a:fillRef>
+          <a:effectRef idx="1">
+            <a:schemeClr val="accent5"/>
+          </a:effectRef>
+          <a:fontRef idx="minor">
+            <a:schemeClr val="lt1"/>
+          </a:fontRef>
+        </p:style>
+        <p:txBody>
+          <a:bodyPr rtlCol="0" anchor="ctr"/>
+          <a:lstStyle/>
+          <a:p>
+            <a:pPr algn="ctr"/>
+            <a:r>
+              <a:rPr lang="ko-KR" altLang="en-US" sz="3200" b="1" dirty="0">
+                <a:ln>
+                  <a:solidFill>
+                    <a:schemeClr val="accent1"/>
+                  </a:solidFill>
+                </a:ln>
+                <a:solidFill>
+                  <a:srgbClr val="FF0000"/>
+                </a:solidFill>
+              </a:rPr>
+              <a:t>안녕</a:t>
+            </a:r>
+            <a:r>
+              <a:rPr lang="ko-KR" altLang="en-US" sz="3200" b="1" dirty="0">
+                <a:ln>
+                  <a:solidFill>
+                    <a:schemeClr val="accent1"/>
+                  </a:solidFill>
+                </a:ln>
+              </a:rPr>
+              <a:t>하세요</a:t>
+            </a:r>
+          </a:p>
+        </p:txBody>
+      </p:sp>
+      <p:sp>
+        <p:nvSpPr>
+          <p:cNvPr id="6" name="사각형: 둥근 모서리 5">
+            <a:extLst>
+              <a:ext uri="{FF2B5EF4-FFF2-40B4-BE49-F238E27FC236}">
+                <a16:creationId xmlns:a16="http://schemas.microsoft.com/office/drawing/2014/main" id="{C84DF9A4-177B-4882-96B3-18802BDEF8E7}"/>
+              </a:ext>
+            </a:extLst>
+          </p:cNvPr>
+          <p:cNvSpPr/>
+          <p:nvPr/>
+        </p:nvSpPr>
+        <p:spPr>
+          <a:xfrm>
+            <a:off x="1740376" y="2559952"/>
+            <a:ext cx="4482743" cy="882023"/>
+          </a:xfrm>
+          <a:prstGeom prst="roundRect">
+            <a:avLst>
+              <a:gd name="adj" fmla="val 28967"/>
+            </a:avLst>
+          </a:prstGeom>
+          <a:solidFill>
+            <a:srgbClr val="41C2FD"/>
+          </a:solidFill>
+          <a:ln>
+            <a:solidFill>
+              <a:schemeClr val="accent1">
+                <a:lumMod val="60000"/>
+                <a:lumOff val="40000"/>
+              </a:schemeClr>
+            </a:solidFill>
+          </a:ln>
+        </p:spPr>
+        <p:style>
+          <a:lnRef idx="3">
+            <a:schemeClr val="lt1"/>
+          </a:lnRef>
+          <a:fillRef idx="1">
+            <a:schemeClr val="accent4"/>
+          </a:fillRef>
+          <a:effectRef idx="1">
+            <a:schemeClr val="accent4"/>
+          </a:effectRef>
+          <a:fontRef idx="minor">
+            <a:schemeClr val="lt1"/>
+          </a:fontRef>
+        </p:style>
+        <p:txBody>
+          <a:bodyPr rtlCol="0" anchor="ctr"/>
+          <a:lstStyle/>
+          <a:p>
+            <a:pPr algn="ctr"/>
+            <a:endParaRPr lang="ko-KR" altLang="en-US"/>
+          </a:p>
+        </p:txBody>
+      </p:sp>
+      <p:sp>
+        <p:nvSpPr>
+          <p:cNvPr id="11" name="사각형: 둥근 모서리 10">
+            <a:extLst>
+              <a:ext uri="{FF2B5EF4-FFF2-40B4-BE49-F238E27FC236}">
+                <a16:creationId xmlns:a16="http://schemas.microsoft.com/office/drawing/2014/main" id="{D0AA846C-6E0B-4125-8CA9-6132AAC4382A}"/>
+              </a:ext>
+            </a:extLst>
+          </p:cNvPr>
+          <p:cNvSpPr/>
+          <p:nvPr/>
+        </p:nvSpPr>
+        <p:spPr>
+          <a:xfrm>
+            <a:off x="19738" y="9468962"/>
+            <a:ext cx="6818524" cy="2723038"/>
+          </a:xfrm>
+          <a:prstGeom prst="roundRect">
+            <a:avLst>
+              <a:gd name="adj" fmla="val 0"/>
+            </a:avLst>
+          </a:prstGeom>
+          <a:solidFill>
+            <a:schemeClr val="bg1">
+              <a:lumMod val="95000"/>
+            </a:schemeClr>
+          </a:solidFill>
+        </p:spPr>
+        <p:style>
+          <a:lnRef idx="1">
+            <a:schemeClr val="accent3"/>
+          </a:lnRef>
+          <a:fillRef idx="2">
+            <a:schemeClr val="accent3"/>
+          </a:fillRef>
+          <a:effectRef idx="1">
+            <a:schemeClr val="accent3"/>
+          </a:effectRef>
+          <a:fontRef idx="minor">
+            <a:schemeClr val="dk1"/>
+          </a:fontRef>
+        </p:style>
+        <p:txBody>
+          <a:bodyPr rtlCol="0" anchor="ctr"/>
+          <a:lstStyle/>
+          <a:p>
+            <a:pPr algn="ctr"/>
+            <a:endParaRPr lang="ko-KR" altLang="en-US" b="1" dirty="0"/>
+          </a:p>
+        </p:txBody>
+      </p:sp>
+      <p:sp>
+        <p:nvSpPr>
+          <p:cNvPr id="20" name="사각형: 둥근 모서리 19">
+            <a:extLst>
+              <a:ext uri="{FF2B5EF4-FFF2-40B4-BE49-F238E27FC236}">
+                <a16:creationId xmlns:a16="http://schemas.microsoft.com/office/drawing/2014/main" id="{43CD19EA-8316-4AAC-BBA5-01BDF139C293}"/>
+              </a:ext>
+            </a:extLst>
+          </p:cNvPr>
+          <p:cNvSpPr/>
+          <p:nvPr/>
+        </p:nvSpPr>
+        <p:spPr>
+          <a:xfrm>
+            <a:off x="0" y="19137"/>
+            <a:ext cx="6838257" cy="882023"/>
+          </a:xfrm>
+          <a:prstGeom prst="roundRect">
+            <a:avLst>
+              <a:gd name="adj" fmla="val 0"/>
+            </a:avLst>
+          </a:prstGeom>
+          <a:gradFill flip="none" rotWithShape="1">
+            <a:gsLst>
+              <a:gs pos="0">
+                <a:schemeClr val="accent5">
+                  <a:lumMod val="67000"/>
+                </a:schemeClr>
+              </a:gs>
+              <a:gs pos="48000">
+                <a:schemeClr val="accent5">
+                  <a:lumMod val="97000"/>
+                  <a:lumOff val="3000"/>
+                </a:schemeClr>
+              </a:gs>
+              <a:gs pos="100000">
+                <a:schemeClr val="accent5">
+                  <a:lumMod val="60000"/>
+                  <a:lumOff val="40000"/>
+                </a:schemeClr>
+              </a:gs>
+            </a:gsLst>
+            <a:lin ang="16200000" scaled="1"/>
+            <a:tileRect/>
+          </a:gradFill>
+          <a:ln>
+            <a:noFill/>
+          </a:ln>
+        </p:spPr>
+        <p:style>
+          <a:lnRef idx="0">
+            <a:scrgbClr r="0" g="0" b="0"/>
+          </a:lnRef>
+          <a:fillRef idx="0">
+            <a:scrgbClr r="0" g="0" b="0"/>
+          </a:fillRef>
+          <a:effectRef idx="0">
+            <a:scrgbClr r="0" g="0" b="0"/>
+          </a:effectRef>
+          <a:fontRef idx="minor">
+            <a:schemeClr val="lt1"/>
+          </a:fontRef>
+        </p:style>
+        <p:txBody>
+          <a:bodyPr rtlCol="0" anchor="ctr"/>
+          <a:lstStyle/>
+          <a:p>
+            <a:pPr algn="ctr"/>
+            <a:r>
+              <a:rPr lang="ko-KR" altLang="en-US" sz="3200" b="1" dirty="0">
+                <a:latin typeface="배달의민족 도현" panose="020B0600000101010101" pitchFamily="50" charset="-127"/>
+                <a:ea typeface="배달의민족 도현" panose="020B0600000101010101" pitchFamily="50" charset="-127"/>
+              </a:rPr>
+              <a:t>길 묻기</a:t>
+            </a:r>
+          </a:p>
+        </p:txBody>
+      </p:sp>
+      <p:sp>
+        <p:nvSpPr>
+          <p:cNvPr id="2" name="직사각형 1">
+            <a:extLst>
+              <a:ext uri="{FF2B5EF4-FFF2-40B4-BE49-F238E27FC236}">
+                <a16:creationId xmlns:a16="http://schemas.microsoft.com/office/drawing/2014/main" id="{040DD253-5927-40CB-81CD-1283C4EEDE92}"/>
+              </a:ext>
+            </a:extLst>
+          </p:cNvPr>
+          <p:cNvSpPr/>
+          <p:nvPr/>
+        </p:nvSpPr>
+        <p:spPr>
+          <a:xfrm>
+            <a:off x="294468" y="9748434"/>
+            <a:ext cx="2200759" cy="2303978"/>
+          </a:xfrm>
+          <a:prstGeom prst="rect">
+            <a:avLst/>
+          </a:prstGeom>
+        </p:spPr>
+        <p:style>
+          <a:lnRef idx="2">
+            <a:schemeClr val="accent1">
+              <a:shade val="50000"/>
+            </a:schemeClr>
+          </a:lnRef>
+          <a:fillRef idx="1">
+            <a:schemeClr val="accent1"/>
+          </a:fillRef>
+          <a:effectRef idx="0">
+            <a:schemeClr val="accent1"/>
+          </a:effectRef>
+          <a:fontRef idx="minor">
+            <a:schemeClr val="lt1"/>
+          </a:fontRef>
+        </p:style>
+        <p:txBody>
+          <a:bodyPr rtlCol="0" anchor="ctr"/>
+          <a:lstStyle/>
+          <a:p>
+            <a:pPr algn="ctr"/>
+            <a:endParaRPr lang="en-US" altLang="ko-KR" sz="1600" dirty="0"/>
+          </a:p>
+          <a:p>
+            <a:pPr algn="ctr"/>
+            <a:endParaRPr lang="en-US" altLang="ko-KR" sz="1600" dirty="0"/>
+          </a:p>
+          <a:p>
+            <a:pPr algn="ctr"/>
+            <a:endParaRPr lang="en-US" altLang="ko-KR" sz="1600" dirty="0"/>
+          </a:p>
+          <a:p>
+            <a:pPr algn="ctr"/>
+            <a:endParaRPr lang="en-US" altLang="ko-KR" sz="1600" dirty="0"/>
+          </a:p>
+          <a:p>
+            <a:pPr algn="ctr"/>
+            <a:endParaRPr lang="en-US" altLang="ko-KR" sz="1600" dirty="0"/>
+          </a:p>
+          <a:p>
+            <a:pPr algn="ctr"/>
+            <a:endParaRPr lang="en-US" altLang="ko-KR" sz="1600" b="1" dirty="0"/>
+          </a:p>
+          <a:p>
+            <a:pPr algn="ctr"/>
+            <a:endParaRPr lang="en-US" altLang="ko-KR" sz="1600" b="1" dirty="0"/>
+          </a:p>
+          <a:p>
+            <a:pPr algn="ctr"/>
+            <a:endParaRPr lang="en-US" altLang="ko-KR" sz="1600" b="1" dirty="0"/>
+          </a:p>
+          <a:p>
+            <a:pPr algn="ctr"/>
+            <a:r>
+              <a:rPr lang="ko-KR" altLang="en-US" sz="1600" b="1" dirty="0"/>
+              <a:t>키워드의 이미지 출력</a:t>
+            </a:r>
+          </a:p>
+        </p:txBody>
+      </p:sp>
+      <p:sp>
+        <p:nvSpPr>
+          <p:cNvPr id="24" name="사각형: 둥근 모서리 23">
+            <a:extLst>
+              <a:ext uri="{FF2B5EF4-FFF2-40B4-BE49-F238E27FC236}">
+                <a16:creationId xmlns:a16="http://schemas.microsoft.com/office/drawing/2014/main" id="{B2C53E53-4C4D-44ED-A3DF-3261325BB13F}"/>
+              </a:ext>
+            </a:extLst>
+          </p:cNvPr>
+          <p:cNvSpPr/>
+          <p:nvPr/>
+        </p:nvSpPr>
+        <p:spPr>
+          <a:xfrm>
+            <a:off x="1740374" y="7996554"/>
+            <a:ext cx="4482743" cy="882023"/>
+          </a:xfrm>
+          <a:prstGeom prst="roundRect">
+            <a:avLst>
+              <a:gd name="adj" fmla="val 28967"/>
+            </a:avLst>
+          </a:prstGeom>
+          <a:solidFill>
+            <a:srgbClr val="41C2FD"/>
+          </a:solidFill>
+          <a:ln>
+            <a:solidFill>
+              <a:schemeClr val="accent1">
+                <a:lumMod val="60000"/>
+                <a:lumOff val="40000"/>
+              </a:schemeClr>
+            </a:solidFill>
+          </a:ln>
+        </p:spPr>
+        <p:style>
+          <a:lnRef idx="3">
+            <a:schemeClr val="lt1"/>
+          </a:lnRef>
+          <a:fillRef idx="1">
+            <a:schemeClr val="accent4"/>
+          </a:fillRef>
+          <a:effectRef idx="1">
+            <a:schemeClr val="accent4"/>
+          </a:effectRef>
+          <a:fontRef idx="minor">
+            <a:schemeClr val="lt1"/>
+          </a:fontRef>
+        </p:style>
+        <p:txBody>
+          <a:bodyPr rtlCol="0" anchor="ctr"/>
+          <a:lstStyle/>
+          <a:p>
+            <a:pPr algn="ctr"/>
+            <a:endParaRPr lang="ko-KR" altLang="en-US"/>
+          </a:p>
+        </p:txBody>
+      </p:sp>
+      <p:sp>
+        <p:nvSpPr>
+          <p:cNvPr id="3" name="TextBox 2">
+            <a:extLst>
+              <a:ext uri="{FF2B5EF4-FFF2-40B4-BE49-F238E27FC236}">
+                <a16:creationId xmlns:a16="http://schemas.microsoft.com/office/drawing/2014/main" id="{C9CCC814-C3DF-458B-BD12-7F757C440EA9}"/>
+              </a:ext>
+            </a:extLst>
+          </p:cNvPr>
+          <p:cNvSpPr txBox="1"/>
+          <p:nvPr/>
+        </p:nvSpPr>
+        <p:spPr>
+          <a:xfrm>
+            <a:off x="2674978" y="9748434"/>
+            <a:ext cx="4108817" cy="2308324"/>
+          </a:xfrm>
+          <a:prstGeom prst="rect">
+            <a:avLst/>
+          </a:prstGeom>
+          <a:noFill/>
+        </p:spPr>
+        <p:txBody>
+          <a:bodyPr wrap="none" rtlCol="0">
+            <a:spAutoFit/>
+          </a:bodyPr>
+          <a:lstStyle/>
+          <a:p>
+            <a:r>
+              <a:rPr lang="ko-KR" altLang="en-US" b="1" dirty="0" err="1"/>
+              <a:t>ㄱㄱㄱㄱㄱㄱㄱㄱㄱㄱㄱㄱㄱㄱㄱㄱㄱ</a:t>
+            </a:r>
+            <a:br>
+              <a:rPr lang="en-US" altLang="ko-KR" b="1" dirty="0"/>
+            </a:br>
+            <a:r>
+              <a:rPr lang="ko-KR" altLang="en-US" b="1" dirty="0"/>
+              <a:t>ㄱ</a:t>
+            </a:r>
+            <a:r>
+              <a:rPr lang="en-US" altLang="ko-KR" b="1" dirty="0"/>
+              <a:t>	Hi.</a:t>
+            </a:r>
+          </a:p>
+          <a:p>
+            <a:r>
+              <a:rPr lang="ko-KR" altLang="en-US" b="1" dirty="0"/>
+              <a:t>ㄱ</a:t>
+            </a:r>
+            <a:r>
+              <a:rPr lang="en-US" altLang="ko-KR" b="1" dirty="0"/>
+              <a:t>	This means </a:t>
+            </a:r>
+            <a:br>
+              <a:rPr lang="en-US" altLang="ko-KR" b="1" dirty="0">
+                <a:solidFill>
+                  <a:srgbClr val="FF0000"/>
+                </a:solidFill>
+              </a:rPr>
+            </a:br>
+            <a:r>
+              <a:rPr lang="ko-KR" altLang="en-US" b="1" dirty="0">
+                <a:solidFill>
+                  <a:srgbClr val="FF0000"/>
+                </a:solidFill>
+              </a:rPr>
+              <a:t>ㄱ</a:t>
+            </a:r>
+            <a:r>
+              <a:rPr lang="en-US" altLang="ko-KR" b="1" dirty="0">
+                <a:solidFill>
+                  <a:srgbClr val="FF0000"/>
+                </a:solidFill>
+              </a:rPr>
+              <a:t>	</a:t>
+            </a:r>
+            <a:r>
+              <a:rPr lang="ko-KR" altLang="en-US" b="1" dirty="0">
+                <a:solidFill>
+                  <a:srgbClr val="FF0000"/>
+                </a:solidFill>
+              </a:rPr>
+              <a:t>안녕 </a:t>
+            </a:r>
+            <a:r>
+              <a:rPr lang="en-US" altLang="ko-KR" b="1" dirty="0">
+                <a:solidFill>
+                  <a:srgbClr val="FF0000"/>
+                </a:solidFill>
+              </a:rPr>
+              <a:t>= Hi</a:t>
+            </a:r>
+            <a:r>
+              <a:rPr lang="en-US" altLang="ko-KR" b="1" dirty="0"/>
+              <a:t> </a:t>
+            </a:r>
+          </a:p>
+          <a:p>
+            <a:r>
+              <a:rPr lang="ko-KR" altLang="en-US" b="1" dirty="0"/>
+              <a:t>ㄱ</a:t>
+            </a:r>
+            <a:r>
+              <a:rPr lang="en-US" altLang="ko-KR" b="1" dirty="0"/>
+              <a:t>	</a:t>
+            </a:r>
+            <a:r>
+              <a:rPr lang="ko-KR" altLang="en-US" b="1" dirty="0"/>
+              <a:t>설명</a:t>
+            </a:r>
+          </a:p>
+          <a:p>
+            <a:r>
+              <a:rPr lang="ko-KR" altLang="en-US" b="1" dirty="0"/>
+              <a:t>ㄱ</a:t>
+            </a:r>
+            <a:endParaRPr lang="en-US" altLang="ko-KR" b="1" dirty="0"/>
+          </a:p>
+          <a:p>
+            <a:r>
+              <a:rPr lang="ko-KR" altLang="en-US" b="1" dirty="0"/>
+              <a:t>ㄱ</a:t>
+            </a:r>
+            <a:endParaRPr lang="en-US" altLang="ko-KR" b="1" dirty="0"/>
+          </a:p>
+          <a:p>
+            <a:r>
+              <a:rPr lang="ko-KR" altLang="en-US" b="1" dirty="0"/>
+              <a:t>ㄱ</a:t>
+            </a:r>
+          </a:p>
+        </p:txBody>
+      </p:sp>
+      <p:sp>
+        <p:nvSpPr>
+          <p:cNvPr id="15" name="직사각형 14">
+            <a:extLst>
+              <a:ext uri="{FF2B5EF4-FFF2-40B4-BE49-F238E27FC236}">
+                <a16:creationId xmlns:a16="http://schemas.microsoft.com/office/drawing/2014/main" id="{CB5ECCEE-6C34-4F4F-B269-126F81CABE5E}"/>
+              </a:ext>
+            </a:extLst>
+          </p:cNvPr>
+          <p:cNvSpPr/>
+          <p:nvPr/>
+        </p:nvSpPr>
+        <p:spPr>
+          <a:xfrm>
+            <a:off x="3033775" y="10557494"/>
+            <a:ext cx="947972" cy="593758"/>
+          </a:xfrm>
+          <a:prstGeom prst="rect">
+            <a:avLst/>
+          </a:prstGeom>
+        </p:spPr>
+        <p:style>
+          <a:lnRef idx="2">
+            <a:schemeClr val="dk1"/>
+          </a:lnRef>
+          <a:fillRef idx="1">
+            <a:schemeClr val="lt1"/>
+          </a:fillRef>
+          <a:effectRef idx="0">
+            <a:schemeClr val="dk1"/>
+          </a:effectRef>
+          <a:fontRef idx="minor">
+            <a:schemeClr val="dk1"/>
+          </a:fontRef>
+        </p:style>
+        <p:txBody>
+          <a:bodyPr rtlCol="0" anchor="ctr"/>
+          <a:lstStyle/>
+          <a:p>
+            <a:pPr algn="ctr"/>
+            <a:r>
+              <a:rPr lang="en-US" altLang="ko-KR" sz="2400" dirty="0"/>
+              <a:t>8</a:t>
+            </a:r>
+            <a:r>
+              <a:rPr lang="ko-KR" altLang="en-US" sz="2400" dirty="0"/>
+              <a:t> </a:t>
+            </a:r>
+            <a:r>
+              <a:rPr lang="en-US" altLang="ko-KR" sz="2400" dirty="0"/>
+              <a:t>Unit</a:t>
+            </a:r>
+            <a:endParaRPr lang="ko-KR" altLang="en-US" sz="2400" dirty="0"/>
+          </a:p>
+        </p:txBody>
+      </p:sp>
+      <p:sp>
+        <p:nvSpPr>
+          <p:cNvPr id="21" name="사각형: 둥근 모서리 20">
+            <a:extLst>
+              <a:ext uri="{FF2B5EF4-FFF2-40B4-BE49-F238E27FC236}">
+                <a16:creationId xmlns:a16="http://schemas.microsoft.com/office/drawing/2014/main" id="{97513B76-35A1-49B6-AEA8-456685CD5A18}"/>
+              </a:ext>
+            </a:extLst>
+          </p:cNvPr>
+          <p:cNvSpPr/>
+          <p:nvPr/>
+        </p:nvSpPr>
+        <p:spPr>
+          <a:xfrm>
+            <a:off x="505641" y="3931375"/>
+            <a:ext cx="4482743" cy="882023"/>
+          </a:xfrm>
+          <a:prstGeom prst="roundRect">
+            <a:avLst>
+              <a:gd name="adj" fmla="val 28967"/>
+            </a:avLst>
+          </a:prstGeom>
+          <a:solidFill>
+            <a:srgbClr val="41C2FD"/>
+          </a:solidFill>
+          <a:ln>
+            <a:solidFill>
+              <a:schemeClr val="accent1">
+                <a:lumMod val="60000"/>
+                <a:lumOff val="40000"/>
+              </a:schemeClr>
+            </a:solidFill>
+          </a:ln>
+        </p:spPr>
+        <p:style>
+          <a:lnRef idx="3">
+            <a:schemeClr val="lt1"/>
+          </a:lnRef>
+          <a:fillRef idx="1">
+            <a:schemeClr val="accent4"/>
+          </a:fillRef>
+          <a:effectRef idx="1">
+            <a:schemeClr val="accent4"/>
+          </a:effectRef>
+          <a:fontRef idx="minor">
+            <a:schemeClr val="lt1"/>
+          </a:fontRef>
+        </p:style>
+        <p:txBody>
+          <a:bodyPr rtlCol="0" anchor="ctr"/>
+          <a:lstStyle/>
+          <a:p>
+            <a:pPr algn="ctr"/>
+            <a:endParaRPr lang="ko-KR" altLang="en-US"/>
+          </a:p>
+        </p:txBody>
+      </p:sp>
+      <p:sp>
+        <p:nvSpPr>
+          <p:cNvPr id="22" name="사각형: 둥근 모서리 21">
+            <a:extLst>
+              <a:ext uri="{FF2B5EF4-FFF2-40B4-BE49-F238E27FC236}">
+                <a16:creationId xmlns:a16="http://schemas.microsoft.com/office/drawing/2014/main" id="{9ED8B19A-9FDF-46F1-AC8D-57AB39B768BA}"/>
+              </a:ext>
+            </a:extLst>
+          </p:cNvPr>
+          <p:cNvSpPr/>
+          <p:nvPr/>
+        </p:nvSpPr>
+        <p:spPr>
+          <a:xfrm>
+            <a:off x="1740375" y="5302798"/>
+            <a:ext cx="4482743" cy="882023"/>
+          </a:xfrm>
+          <a:prstGeom prst="roundRect">
+            <a:avLst>
+              <a:gd name="adj" fmla="val 28967"/>
+            </a:avLst>
+          </a:prstGeom>
+          <a:solidFill>
+            <a:srgbClr val="41C2FD"/>
+          </a:solidFill>
+          <a:ln>
+            <a:solidFill>
+              <a:schemeClr val="accent1">
+                <a:lumMod val="60000"/>
+                <a:lumOff val="40000"/>
+              </a:schemeClr>
+            </a:solidFill>
+          </a:ln>
+        </p:spPr>
+        <p:style>
+          <a:lnRef idx="3">
+            <a:schemeClr val="lt1"/>
+          </a:lnRef>
+          <a:fillRef idx="1">
+            <a:schemeClr val="accent4"/>
+          </a:fillRef>
+          <a:effectRef idx="1">
+            <a:schemeClr val="accent4"/>
+          </a:effectRef>
+          <a:fontRef idx="minor">
+            <a:schemeClr val="lt1"/>
+          </a:fontRef>
+        </p:style>
+        <p:txBody>
+          <a:bodyPr rtlCol="0" anchor="ctr"/>
+          <a:lstStyle/>
+          <a:p>
+            <a:pPr algn="ctr"/>
+            <a:endParaRPr lang="ko-KR" altLang="en-US"/>
+          </a:p>
+        </p:txBody>
+      </p:sp>
+      <p:sp>
+        <p:nvSpPr>
+          <p:cNvPr id="23" name="사각형: 둥근 모서리 22">
+            <a:extLst>
+              <a:ext uri="{FF2B5EF4-FFF2-40B4-BE49-F238E27FC236}">
+                <a16:creationId xmlns:a16="http://schemas.microsoft.com/office/drawing/2014/main" id="{847ABF62-3E0F-49EC-8E7C-4D07CD580745}"/>
+              </a:ext>
+            </a:extLst>
+          </p:cNvPr>
+          <p:cNvSpPr/>
+          <p:nvPr/>
+        </p:nvSpPr>
+        <p:spPr>
+          <a:xfrm>
+            <a:off x="372100" y="6674221"/>
+            <a:ext cx="4482743" cy="882023"/>
+          </a:xfrm>
+          <a:prstGeom prst="roundRect">
+            <a:avLst>
+              <a:gd name="adj" fmla="val 28967"/>
+            </a:avLst>
+          </a:prstGeom>
+          <a:solidFill>
+            <a:srgbClr val="41C2FD"/>
+          </a:solidFill>
+          <a:ln>
+            <a:solidFill>
+              <a:schemeClr val="accent1">
+                <a:lumMod val="60000"/>
+                <a:lumOff val="40000"/>
+              </a:schemeClr>
+            </a:solidFill>
+          </a:ln>
+        </p:spPr>
+        <p:style>
+          <a:lnRef idx="3">
+            <a:schemeClr val="lt1"/>
+          </a:lnRef>
+          <a:fillRef idx="1">
+            <a:schemeClr val="accent4"/>
+          </a:fillRef>
+          <a:effectRef idx="1">
+            <a:schemeClr val="accent4"/>
+          </a:effectRef>
+          <a:fontRef idx="minor">
+            <a:schemeClr val="lt1"/>
+          </a:fontRef>
+        </p:style>
+        <p:txBody>
+          <a:bodyPr rtlCol="0" anchor="ctr"/>
+          <a:lstStyle/>
+          <a:p>
+            <a:pPr algn="ctr"/>
+            <a:endParaRPr lang="ko-KR" altLang="en-US"/>
+          </a:p>
+        </p:txBody>
+      </p:sp>
+      <p:sp>
+        <p:nvSpPr>
+          <p:cNvPr id="10" name="사각형: 둥근 모서리 9">
+            <a:extLst>
+              <a:ext uri="{FF2B5EF4-FFF2-40B4-BE49-F238E27FC236}">
+                <a16:creationId xmlns:a16="http://schemas.microsoft.com/office/drawing/2014/main" id="{ED36F31B-57D4-4B6B-91B7-504CD4328EE3}"/>
+              </a:ext>
+            </a:extLst>
+          </p:cNvPr>
+          <p:cNvSpPr/>
+          <p:nvPr/>
+        </p:nvSpPr>
+        <p:spPr>
+          <a:xfrm>
+            <a:off x="19738" y="8610437"/>
+            <a:ext cx="6858000" cy="1002210"/>
+          </a:xfrm>
+          <a:prstGeom prst="roundRect">
+            <a:avLst>
+              <a:gd name="adj" fmla="val 28350"/>
+            </a:avLst>
+          </a:prstGeom>
+          <a:solidFill>
+            <a:srgbClr val="B3B8BE"/>
+          </a:solidFill>
+          <a:ln>
+            <a:solidFill>
+              <a:schemeClr val="tx1"/>
+            </a:solidFill>
+          </a:ln>
+        </p:spPr>
+        <p:style>
+          <a:lnRef idx="2">
+            <a:schemeClr val="accent4">
+              <a:shade val="50000"/>
+            </a:schemeClr>
+          </a:lnRef>
+          <a:fillRef idx="1">
+            <a:schemeClr val="accent4"/>
+          </a:fillRef>
+          <a:effectRef idx="0">
+            <a:schemeClr val="accent4"/>
+          </a:effectRef>
+          <a:fontRef idx="minor">
+            <a:schemeClr val="lt1"/>
+          </a:fontRef>
+        </p:style>
+        <p:txBody>
+          <a:bodyPr rtlCol="0" anchor="ctr"/>
+          <a:lstStyle/>
+          <a:p>
+            <a:pPr algn="ctr"/>
+            <a:r>
+              <a:rPr lang="ko-KR" altLang="en-US" sz="4000" b="1" dirty="0">
+                <a:solidFill>
+                  <a:schemeClr val="tx1"/>
+                </a:solidFill>
+              </a:rPr>
+              <a:t>안녕</a:t>
+            </a:r>
+            <a:r>
+              <a:rPr lang="ko-KR" altLang="en-US" sz="4000" dirty="0">
+                <a:solidFill>
+                  <a:schemeClr val="bg1"/>
+                </a:solidFill>
+              </a:rPr>
+              <a:t>하세요</a:t>
+            </a:r>
+          </a:p>
+        </p:txBody>
+      </p:sp>
+      <p:sp>
+        <p:nvSpPr>
+          <p:cNvPr id="14" name="직사각형 13">
+            <a:extLst>
+              <a:ext uri="{FF2B5EF4-FFF2-40B4-BE49-F238E27FC236}">
+                <a16:creationId xmlns:a16="http://schemas.microsoft.com/office/drawing/2014/main" id="{2ED20E40-168C-4428-BE9E-52264EB8C9D8}"/>
+              </a:ext>
+            </a:extLst>
+          </p:cNvPr>
+          <p:cNvSpPr/>
+          <p:nvPr/>
+        </p:nvSpPr>
+        <p:spPr>
+          <a:xfrm>
+            <a:off x="3754464" y="9162573"/>
+            <a:ext cx="2200759" cy="593758"/>
+          </a:xfrm>
+          <a:prstGeom prst="rect">
+            <a:avLst/>
+          </a:prstGeom>
+        </p:spPr>
+        <p:style>
+          <a:lnRef idx="2">
+            <a:schemeClr val="dk1"/>
+          </a:lnRef>
+          <a:fillRef idx="1">
+            <a:schemeClr val="lt1"/>
+          </a:fillRef>
+          <a:effectRef idx="0">
+            <a:schemeClr val="dk1"/>
+          </a:effectRef>
+          <a:fontRef idx="minor">
+            <a:schemeClr val="dk1"/>
+          </a:fontRef>
+        </p:style>
+        <p:txBody>
+          <a:bodyPr rtlCol="0" anchor="ctr"/>
+          <a:lstStyle/>
+          <a:p>
+            <a:pPr algn="ctr"/>
+            <a:r>
+              <a:rPr lang="en-US" altLang="ko-KR" sz="2400" dirty="0"/>
+              <a:t>17</a:t>
+            </a:r>
+            <a:r>
+              <a:rPr lang="ko-KR" altLang="en-US" sz="2400" dirty="0"/>
+              <a:t> </a:t>
+            </a:r>
+            <a:r>
+              <a:rPr lang="en-US" altLang="ko-KR" sz="2400" dirty="0"/>
+              <a:t>Unit</a:t>
+            </a:r>
+            <a:endParaRPr lang="ko-KR" altLang="en-US" sz="2400" dirty="0"/>
+          </a:p>
+        </p:txBody>
+      </p:sp>
+      <p:sp>
+        <p:nvSpPr>
+          <p:cNvPr id="25" name="직사각형 24">
+            <a:extLst>
+              <a:ext uri="{FF2B5EF4-FFF2-40B4-BE49-F238E27FC236}">
+                <a16:creationId xmlns:a16="http://schemas.microsoft.com/office/drawing/2014/main" id="{063735BE-7649-48C1-9B67-8CD9373A28EE}"/>
+              </a:ext>
+            </a:extLst>
+          </p:cNvPr>
+          <p:cNvSpPr/>
+          <p:nvPr/>
+        </p:nvSpPr>
+        <p:spPr>
+          <a:xfrm>
+            <a:off x="74205" y="113177"/>
+            <a:ext cx="2475489" cy="747326"/>
+          </a:xfrm>
+          <a:prstGeom prst="rect">
+            <a:avLst/>
+          </a:prstGeom>
+        </p:spPr>
+        <p:style>
+          <a:lnRef idx="2">
+            <a:schemeClr val="dk1"/>
+          </a:lnRef>
+          <a:fillRef idx="1">
+            <a:schemeClr val="lt1"/>
+          </a:fillRef>
+          <a:effectRef idx="0">
+            <a:schemeClr val="dk1"/>
+          </a:effectRef>
+          <a:fontRef idx="minor">
+            <a:schemeClr val="dk1"/>
+          </a:fontRef>
+        </p:style>
+        <p:txBody>
+          <a:bodyPr rtlCol="0" anchor="ctr"/>
+          <a:lstStyle/>
+          <a:p>
+            <a:pPr algn="ctr"/>
+            <a:r>
+              <a:rPr lang="ko-KR" altLang="en-US" sz="2400" dirty="0"/>
+              <a:t>가운데 위주의 </a:t>
+            </a:r>
+            <a:r>
+              <a:rPr lang="ko-KR" altLang="en-US" sz="2400" dirty="0" err="1"/>
+              <a:t>그라데이션</a:t>
+            </a:r>
+            <a:endParaRPr lang="ko-KR" altLang="en-US" sz="2400" dirty="0"/>
+          </a:p>
+        </p:txBody>
+      </p:sp>
+      <p:pic>
+        <p:nvPicPr>
+          <p:cNvPr id="9" name="그림 8" descr="클립아트이(가) 표시된 사진&#10;&#10;자동 생성된 설명">
+            <a:extLst>
+              <a:ext uri="{FF2B5EF4-FFF2-40B4-BE49-F238E27FC236}">
+                <a16:creationId xmlns:a16="http://schemas.microsoft.com/office/drawing/2014/main" id="{16775649-29EC-49BB-8F4C-A0D7D13BCD67}"/>
+              </a:ext>
+            </a:extLst>
+          </p:cNvPr>
+          <p:cNvPicPr>
+            <a:picLocks noChangeAspect="1"/>
+          </p:cNvPicPr>
+          <p:nvPr/>
+        </p:nvPicPr>
+        <p:blipFill>
+          <a:blip r:embed="rId3">
+            <a:extLst>
+              <a:ext uri="{28A0092B-C50C-407E-A947-70E740481C1C}">
+                <a14:useLocalDpi xmlns:a14="http://schemas.microsoft.com/office/drawing/2010/main" val="0"/>
+              </a:ext>
+              <a:ext uri="{837473B0-CC2E-450A-ABE3-18F120FF3D39}">
+                <a1611:picAttrSrcUrl xmlns:a1611="http://schemas.microsoft.com/office/drawing/2016/11/main" r:id="rId4"/>
+              </a:ext>
+            </a:extLst>
+          </a:blip>
+          <a:stretch>
+            <a:fillRect/>
+          </a:stretch>
+        </p:blipFill>
+        <p:spPr>
+          <a:xfrm>
+            <a:off x="372100" y="9919036"/>
+            <a:ext cx="2032182" cy="1642079"/>
+          </a:xfrm>
+          <a:prstGeom prst="rect">
+            <a:avLst/>
+          </a:prstGeom>
+        </p:spPr>
+      </p:pic>
+      <p:sp>
+        <p:nvSpPr>
+          <p:cNvPr id="17" name="직사각형 16">
+            <a:extLst>
+              <a:ext uri="{FF2B5EF4-FFF2-40B4-BE49-F238E27FC236}">
+                <a16:creationId xmlns:a16="http://schemas.microsoft.com/office/drawing/2014/main" id="{F223C543-4DF3-4466-8CBF-E38D88811C3F}"/>
+              </a:ext>
+            </a:extLst>
+          </p:cNvPr>
+          <p:cNvSpPr/>
+          <p:nvPr/>
+        </p:nvSpPr>
+        <p:spPr>
+          <a:xfrm>
+            <a:off x="74205" y="10605444"/>
+            <a:ext cx="947972" cy="593758"/>
+          </a:xfrm>
+          <a:prstGeom prst="rect">
+            <a:avLst/>
+          </a:prstGeom>
+        </p:spPr>
+        <p:style>
+          <a:lnRef idx="2">
+            <a:schemeClr val="dk1"/>
+          </a:lnRef>
+          <a:fillRef idx="1">
+            <a:schemeClr val="lt1"/>
+          </a:fillRef>
+          <a:effectRef idx="0">
+            <a:schemeClr val="dk1"/>
+          </a:effectRef>
+          <a:fontRef idx="minor">
+            <a:schemeClr val="dk1"/>
+          </a:fontRef>
+        </p:style>
+        <p:txBody>
+          <a:bodyPr rtlCol="0" anchor="ctr"/>
+          <a:lstStyle/>
+          <a:p>
+            <a:pPr algn="ctr"/>
+            <a:r>
+              <a:rPr lang="en-US" altLang="ko-KR" sz="2400" dirty="0"/>
+              <a:t>250</a:t>
+            </a:r>
+            <a:endParaRPr lang="ko-KR" altLang="en-US" sz="2400" dirty="0"/>
+          </a:p>
+        </p:txBody>
+      </p:sp>
+      <p:sp>
+        <p:nvSpPr>
+          <p:cNvPr id="16" name="직사각형 15">
+            <a:extLst>
+              <a:ext uri="{FF2B5EF4-FFF2-40B4-BE49-F238E27FC236}">
+                <a16:creationId xmlns:a16="http://schemas.microsoft.com/office/drawing/2014/main" id="{01760874-9CB3-4C75-8849-72439F996AAE}"/>
+              </a:ext>
+            </a:extLst>
+          </p:cNvPr>
+          <p:cNvSpPr/>
+          <p:nvPr/>
+        </p:nvSpPr>
+        <p:spPr>
+          <a:xfrm>
+            <a:off x="903051" y="9418578"/>
+            <a:ext cx="947972" cy="593758"/>
+          </a:xfrm>
+          <a:prstGeom prst="rect">
+            <a:avLst/>
+          </a:prstGeom>
+        </p:spPr>
+        <p:style>
+          <a:lnRef idx="2">
+            <a:schemeClr val="dk1"/>
+          </a:lnRef>
+          <a:fillRef idx="1">
+            <a:schemeClr val="lt1"/>
+          </a:fillRef>
+          <a:effectRef idx="0">
+            <a:schemeClr val="dk1"/>
+          </a:effectRef>
+          <a:fontRef idx="minor">
+            <a:schemeClr val="dk1"/>
+          </a:fontRef>
+        </p:style>
+        <p:txBody>
+          <a:bodyPr rtlCol="0" anchor="ctr"/>
+          <a:lstStyle/>
+          <a:p>
+            <a:pPr algn="ctr"/>
+            <a:r>
+              <a:rPr lang="en-US" altLang="ko-KR" sz="2400" dirty="0"/>
+              <a:t>250</a:t>
+            </a:r>
+            <a:endParaRPr lang="ko-KR" altLang="en-US" sz="2400" dirty="0"/>
+          </a:p>
+        </p:txBody>
+      </p:sp>
+      <p:sp>
+        <p:nvSpPr>
+          <p:cNvPr id="26" name="직사각형 25">
+            <a:extLst>
+              <a:ext uri="{FF2B5EF4-FFF2-40B4-BE49-F238E27FC236}">
+                <a16:creationId xmlns:a16="http://schemas.microsoft.com/office/drawing/2014/main" id="{E28F299E-018E-433A-8D10-DDBD615DDEEA}"/>
+              </a:ext>
+            </a:extLst>
+          </p:cNvPr>
+          <p:cNvSpPr/>
+          <p:nvPr/>
+        </p:nvSpPr>
+        <p:spPr>
+          <a:xfrm>
+            <a:off x="294468" y="2100325"/>
+            <a:ext cx="3291268" cy="1033605"/>
+          </a:xfrm>
+          <a:prstGeom prst="rect">
+            <a:avLst/>
+          </a:prstGeom>
+        </p:spPr>
+        <p:style>
+          <a:lnRef idx="2">
+            <a:schemeClr val="dk1"/>
+          </a:lnRef>
+          <a:fillRef idx="1">
+            <a:schemeClr val="lt1"/>
+          </a:fillRef>
+          <a:effectRef idx="0">
+            <a:schemeClr val="dk1"/>
+          </a:effectRef>
+          <a:fontRef idx="minor">
+            <a:schemeClr val="dk1"/>
+          </a:fontRef>
+        </p:style>
+        <p:txBody>
+          <a:bodyPr rtlCol="0" anchor="ctr"/>
+          <a:lstStyle/>
+          <a:p>
+            <a:pPr algn="ctr"/>
+            <a:r>
+              <a:rPr lang="en-US" altLang="ko-KR" sz="2400" dirty="0"/>
+              <a:t>Font Color : WHITE</a:t>
+            </a:r>
+            <a:br>
+              <a:rPr lang="en-US" altLang="ko-KR" sz="2400" dirty="0"/>
+            </a:br>
+            <a:r>
+              <a:rPr lang="en-US" altLang="ko-KR" sz="2400" dirty="0"/>
+              <a:t>Point Color : RED</a:t>
+            </a:r>
+            <a:br>
+              <a:rPr lang="en-US" altLang="ko-KR" sz="2400" dirty="0"/>
+            </a:br>
+            <a:r>
+              <a:rPr lang="en-US" altLang="ko-KR" sz="2400" dirty="0"/>
+              <a:t>Outline Font : #6B66FF</a:t>
+            </a:r>
+            <a:endParaRPr lang="ko-KR" altLang="en-US" sz="2400" dirty="0"/>
+          </a:p>
+        </p:txBody>
+      </p:sp>
+    </p:spTree>
+    <p:extLst>
+      <p:ext uri="{BB962C8B-B14F-4D97-AF65-F5344CB8AC3E}">
+        <p14:creationId xmlns:p14="http://schemas.microsoft.com/office/powerpoint/2010/main" val="4184968137"/>
+      </p:ext>
+    </p:extLst>
+  </p:cSld>
+  <p:clrMapOvr>
+    <a:masterClrMapping/>
+  </p:clrMapOvr>
+</p:sld>
+</file>
+
+<file path=ppt/slides/slide11.xml><?xml version="1.0" encoding="utf-8"?>
+<p:sld xmlns:a="http://schemas.openxmlformats.org/drawingml/2006/main" xmlns:r="http://schemas.openxmlformats.org/officeDocument/2006/relationships" xmlns:p="http://schemas.openxmlformats.org/presentationml/2006/main">
+  <p:cSld>
+    <p:spTree>
+      <p:nvGrpSpPr>
+        <p:cNvPr id="1" name=""/>
+        <p:cNvGrpSpPr/>
+        <p:nvPr/>
+      </p:nvGrpSpPr>
+      <p:grpSpPr>
+        <a:xfrm>
+          <a:off x="0" y="0"/>
+          <a:ext cx="0" cy="0"/>
+          <a:chOff x="0" y="0"/>
+          <a:chExt cx="0" cy="0"/>
+        </a:xfrm>
+      </p:grpSpPr>
+      <p:sp>
+        <p:nvSpPr>
+          <p:cNvPr id="19" name="직사각형 18">
+            <a:extLst>
+              <a:ext uri="{FF2B5EF4-FFF2-40B4-BE49-F238E27FC236}">
+                <a16:creationId xmlns:a16="http://schemas.microsoft.com/office/drawing/2014/main" id="{49E753FB-A7FD-49AD-8506-96121857F67E}"/>
+              </a:ext>
+            </a:extLst>
+          </p:cNvPr>
+          <p:cNvSpPr/>
+          <p:nvPr/>
+        </p:nvSpPr>
+        <p:spPr>
+          <a:xfrm>
+            <a:off x="0" y="0"/>
+            <a:ext cx="6858000" cy="9468962"/>
+          </a:xfrm>
+          <a:prstGeom prst="rect">
+            <a:avLst/>
+          </a:prstGeom>
+          <a:solidFill>
+            <a:srgbClr val="E2E9F1"/>
+          </a:solidFill>
+        </p:spPr>
+        <p:style>
+          <a:lnRef idx="1">
+            <a:schemeClr val="accent4"/>
+          </a:lnRef>
+          <a:fillRef idx="2">
+            <a:schemeClr val="accent4"/>
+          </a:fillRef>
+          <a:effectRef idx="1">
+            <a:schemeClr val="accent4"/>
+          </a:effectRef>
+          <a:fontRef idx="minor">
+            <a:schemeClr val="dk1"/>
+          </a:fontRef>
+        </p:style>
+        <p:txBody>
+          <a:bodyPr rtlCol="0" anchor="ctr"/>
+          <a:lstStyle/>
+          <a:p>
+            <a:pPr algn="ctr"/>
+            <a:endParaRPr lang="ko-KR" altLang="ko-KR" b="1" dirty="0">
+              <a:solidFill>
+                <a:schemeClr val="tx1">
+                  <a:lumMod val="50000"/>
+                  <a:lumOff val="50000"/>
+                </a:schemeClr>
+              </a:solidFill>
+            </a:endParaRPr>
+          </a:p>
+        </p:txBody>
+      </p:sp>
+      <p:sp>
+        <p:nvSpPr>
+          <p:cNvPr id="5" name="사각형: 둥근 모서리 4">
+            <a:extLst>
+              <a:ext uri="{FF2B5EF4-FFF2-40B4-BE49-F238E27FC236}">
+                <a16:creationId xmlns:a16="http://schemas.microsoft.com/office/drawing/2014/main" id="{39275797-31EF-4E70-A927-A6FB7B4717FC}"/>
+              </a:ext>
+            </a:extLst>
+          </p:cNvPr>
+          <p:cNvSpPr/>
+          <p:nvPr/>
+        </p:nvSpPr>
+        <p:spPr>
+          <a:xfrm>
+            <a:off x="505642" y="1773130"/>
+            <a:ext cx="4482743" cy="882023"/>
+          </a:xfrm>
+          <a:prstGeom prst="roundRect">
+            <a:avLst>
+              <a:gd name="adj" fmla="val 27210"/>
+            </a:avLst>
+          </a:prstGeom>
+          <a:ln/>
+        </p:spPr>
+        <p:style>
+          <a:lnRef idx="3">
+            <a:schemeClr val="lt1"/>
+          </a:lnRef>
+          <a:fillRef idx="1">
+            <a:schemeClr val="accent5"/>
+          </a:fillRef>
+          <a:effectRef idx="1">
+            <a:schemeClr val="accent5"/>
+          </a:effectRef>
+          <a:fontRef idx="minor">
+            <a:schemeClr val="lt1"/>
+          </a:fontRef>
+        </p:style>
+        <p:txBody>
+          <a:bodyPr rtlCol="0" anchor="ctr"/>
+          <a:lstStyle/>
+          <a:p>
+            <a:pPr algn="ctr"/>
+            <a:r>
+              <a:rPr lang="ko-KR" altLang="ko-KR" sz="3200" b="1" dirty="0"/>
+              <a:t>도와</a:t>
+            </a:r>
+            <a:r>
+              <a:rPr lang="ko-KR" altLang="ko-KR" sz="3200" dirty="0"/>
+              <a:t>주세요</a:t>
+            </a:r>
+            <a:endParaRPr lang="ko-KR" altLang="en-US" sz="4800" dirty="0">
+              <a:ln>
+                <a:solidFill>
+                  <a:schemeClr val="accent1"/>
+                </a:solidFill>
+              </a:ln>
+            </a:endParaRPr>
+          </a:p>
+        </p:txBody>
+      </p:sp>
+      <p:sp>
+        <p:nvSpPr>
+          <p:cNvPr id="6" name="사각형: 둥근 모서리 5">
+            <a:extLst>
+              <a:ext uri="{FF2B5EF4-FFF2-40B4-BE49-F238E27FC236}">
+                <a16:creationId xmlns:a16="http://schemas.microsoft.com/office/drawing/2014/main" id="{C84DF9A4-177B-4882-96B3-18802BDEF8E7}"/>
+              </a:ext>
+            </a:extLst>
+          </p:cNvPr>
+          <p:cNvSpPr/>
+          <p:nvPr/>
+        </p:nvSpPr>
+        <p:spPr>
+          <a:xfrm>
+            <a:off x="1740376" y="3144553"/>
+            <a:ext cx="4482743" cy="882023"/>
+          </a:xfrm>
+          <a:prstGeom prst="roundRect">
+            <a:avLst>
+              <a:gd name="adj" fmla="val 28967"/>
+            </a:avLst>
+          </a:prstGeom>
+          <a:solidFill>
+            <a:srgbClr val="41C2FD"/>
+          </a:solidFill>
+          <a:ln>
+            <a:solidFill>
+              <a:schemeClr val="accent1">
+                <a:lumMod val="60000"/>
+                <a:lumOff val="40000"/>
+              </a:schemeClr>
+            </a:solidFill>
+          </a:ln>
+        </p:spPr>
+        <p:style>
+          <a:lnRef idx="3">
+            <a:schemeClr val="lt1"/>
+          </a:lnRef>
+          <a:fillRef idx="1">
+            <a:schemeClr val="accent4"/>
+          </a:fillRef>
+          <a:effectRef idx="1">
+            <a:schemeClr val="accent4"/>
+          </a:effectRef>
+          <a:fontRef idx="minor">
+            <a:schemeClr val="lt1"/>
+          </a:fontRef>
+        </p:style>
+        <p:txBody>
+          <a:bodyPr rtlCol="0" anchor="ctr"/>
+          <a:lstStyle/>
+          <a:p>
+            <a:pPr algn="ctr"/>
+            <a:endParaRPr lang="ko-KR" altLang="en-US"/>
+          </a:p>
+        </p:txBody>
+      </p:sp>
+      <p:sp>
+        <p:nvSpPr>
+          <p:cNvPr id="11" name="사각형: 둥근 모서리 10">
+            <a:extLst>
+              <a:ext uri="{FF2B5EF4-FFF2-40B4-BE49-F238E27FC236}">
+                <a16:creationId xmlns:a16="http://schemas.microsoft.com/office/drawing/2014/main" id="{D0AA846C-6E0B-4125-8CA9-6132AAC4382A}"/>
+              </a:ext>
+            </a:extLst>
+          </p:cNvPr>
+          <p:cNvSpPr/>
+          <p:nvPr/>
+        </p:nvSpPr>
+        <p:spPr>
+          <a:xfrm>
+            <a:off x="19738" y="9468962"/>
+            <a:ext cx="6818524" cy="2723038"/>
+          </a:xfrm>
+          <a:prstGeom prst="roundRect">
+            <a:avLst>
+              <a:gd name="adj" fmla="val 0"/>
+            </a:avLst>
+          </a:prstGeom>
+          <a:solidFill>
+            <a:schemeClr val="bg1">
+              <a:lumMod val="95000"/>
+            </a:schemeClr>
+          </a:solidFill>
+        </p:spPr>
+        <p:style>
+          <a:lnRef idx="1">
+            <a:schemeClr val="accent3"/>
+          </a:lnRef>
+          <a:fillRef idx="2">
+            <a:schemeClr val="accent3"/>
+          </a:fillRef>
+          <a:effectRef idx="1">
+            <a:schemeClr val="accent3"/>
+          </a:effectRef>
+          <a:fontRef idx="minor">
+            <a:schemeClr val="dk1"/>
+          </a:fontRef>
+        </p:style>
+        <p:txBody>
+          <a:bodyPr rtlCol="0" anchor="ctr"/>
+          <a:lstStyle/>
+          <a:p>
+            <a:pPr algn="ctr"/>
+            <a:endParaRPr lang="ko-KR" altLang="en-US" b="1" dirty="0"/>
+          </a:p>
+        </p:txBody>
+      </p:sp>
+      <p:sp>
+        <p:nvSpPr>
+          <p:cNvPr id="20" name="사각형: 둥근 모서리 19">
+            <a:extLst>
+              <a:ext uri="{FF2B5EF4-FFF2-40B4-BE49-F238E27FC236}">
+                <a16:creationId xmlns:a16="http://schemas.microsoft.com/office/drawing/2014/main" id="{43CD19EA-8316-4AAC-BBA5-01BDF139C293}"/>
+              </a:ext>
+            </a:extLst>
+          </p:cNvPr>
+          <p:cNvSpPr/>
+          <p:nvPr/>
+        </p:nvSpPr>
+        <p:spPr>
+          <a:xfrm>
+            <a:off x="0" y="19137"/>
+            <a:ext cx="6838257" cy="882023"/>
+          </a:xfrm>
+          <a:prstGeom prst="roundRect">
+            <a:avLst>
+              <a:gd name="adj" fmla="val 0"/>
+            </a:avLst>
+          </a:prstGeom>
+          <a:gradFill flip="none" rotWithShape="1">
+            <a:gsLst>
+              <a:gs pos="0">
+                <a:schemeClr val="accent5">
+                  <a:lumMod val="67000"/>
+                </a:schemeClr>
+              </a:gs>
+              <a:gs pos="48000">
+                <a:schemeClr val="accent5">
+                  <a:lumMod val="97000"/>
+                  <a:lumOff val="3000"/>
+                </a:schemeClr>
+              </a:gs>
+              <a:gs pos="100000">
+                <a:schemeClr val="accent5">
+                  <a:lumMod val="60000"/>
+                  <a:lumOff val="40000"/>
+                </a:schemeClr>
+              </a:gs>
+            </a:gsLst>
+            <a:lin ang="16200000" scaled="1"/>
+            <a:tileRect/>
+          </a:gradFill>
+          <a:ln>
+            <a:noFill/>
+          </a:ln>
+        </p:spPr>
+        <p:style>
+          <a:lnRef idx="0">
+            <a:scrgbClr r="0" g="0" b="0"/>
+          </a:lnRef>
+          <a:fillRef idx="0">
+            <a:scrgbClr r="0" g="0" b="0"/>
+          </a:fillRef>
+          <a:effectRef idx="0">
+            <a:scrgbClr r="0" g="0" b="0"/>
+          </a:effectRef>
+          <a:fontRef idx="minor">
+            <a:schemeClr val="lt1"/>
+          </a:fontRef>
+        </p:style>
+        <p:txBody>
+          <a:bodyPr rtlCol="0" anchor="ctr"/>
+          <a:lstStyle/>
+          <a:p>
+            <a:pPr algn="ctr"/>
+            <a:r>
+              <a:rPr lang="ko-KR" altLang="en-US" sz="3200" b="1" dirty="0">
+                <a:latin typeface="배달의민족 도현" panose="020B0600000101010101" pitchFamily="50" charset="-127"/>
+                <a:ea typeface="배달의민족 도현" panose="020B0600000101010101" pitchFamily="50" charset="-127"/>
+              </a:rPr>
+              <a:t>길 묻기</a:t>
+            </a:r>
+          </a:p>
+        </p:txBody>
+      </p:sp>
+      <p:sp>
+        <p:nvSpPr>
+          <p:cNvPr id="2" name="직사각형 1">
+            <a:extLst>
+              <a:ext uri="{FF2B5EF4-FFF2-40B4-BE49-F238E27FC236}">
+                <a16:creationId xmlns:a16="http://schemas.microsoft.com/office/drawing/2014/main" id="{040DD253-5927-40CB-81CD-1283C4EEDE92}"/>
+              </a:ext>
+            </a:extLst>
+          </p:cNvPr>
+          <p:cNvSpPr/>
+          <p:nvPr/>
+        </p:nvSpPr>
+        <p:spPr>
+          <a:xfrm>
+            <a:off x="294468" y="9748434"/>
+            <a:ext cx="2200759" cy="2303978"/>
+          </a:xfrm>
+          <a:prstGeom prst="rect">
+            <a:avLst/>
+          </a:prstGeom>
+        </p:spPr>
+        <p:style>
+          <a:lnRef idx="2">
+            <a:schemeClr val="accent1">
+              <a:shade val="50000"/>
+            </a:schemeClr>
+          </a:lnRef>
+          <a:fillRef idx="1">
+            <a:schemeClr val="accent1"/>
+          </a:fillRef>
+          <a:effectRef idx="0">
+            <a:schemeClr val="accent1"/>
+          </a:effectRef>
+          <a:fontRef idx="minor">
+            <a:schemeClr val="lt1"/>
+          </a:fontRef>
+        </p:style>
+        <p:txBody>
+          <a:bodyPr rtlCol="0" anchor="ctr"/>
+          <a:lstStyle/>
+          <a:p>
+            <a:pPr algn="ctr"/>
+            <a:endParaRPr lang="en-US" altLang="ko-KR" sz="1600" dirty="0"/>
+          </a:p>
+          <a:p>
+            <a:pPr algn="ctr"/>
+            <a:endParaRPr lang="en-US" altLang="ko-KR" sz="1600" dirty="0"/>
+          </a:p>
+          <a:p>
+            <a:pPr algn="ctr"/>
+            <a:endParaRPr lang="en-US" altLang="ko-KR" sz="1600" dirty="0"/>
+          </a:p>
+          <a:p>
+            <a:pPr algn="ctr"/>
+            <a:endParaRPr lang="en-US" altLang="ko-KR" sz="1600" dirty="0"/>
+          </a:p>
+          <a:p>
+            <a:pPr algn="ctr"/>
+            <a:endParaRPr lang="en-US" altLang="ko-KR" sz="1600" dirty="0"/>
+          </a:p>
+          <a:p>
+            <a:pPr algn="ctr"/>
+            <a:endParaRPr lang="en-US" altLang="ko-KR" sz="1600" b="1" dirty="0"/>
+          </a:p>
+          <a:p>
+            <a:pPr algn="ctr"/>
+            <a:endParaRPr lang="en-US" altLang="ko-KR" sz="1600" b="1" dirty="0"/>
+          </a:p>
+          <a:p>
+            <a:pPr algn="ctr"/>
+            <a:endParaRPr lang="en-US" altLang="ko-KR" sz="1600" b="1" dirty="0"/>
+          </a:p>
+        </p:txBody>
+      </p:sp>
+      <p:sp>
+        <p:nvSpPr>
+          <p:cNvPr id="3" name="TextBox 2">
+            <a:extLst>
+              <a:ext uri="{FF2B5EF4-FFF2-40B4-BE49-F238E27FC236}">
+                <a16:creationId xmlns:a16="http://schemas.microsoft.com/office/drawing/2014/main" id="{C9CCC814-C3DF-458B-BD12-7F757C440EA9}"/>
+              </a:ext>
+            </a:extLst>
+          </p:cNvPr>
+          <p:cNvSpPr txBox="1"/>
+          <p:nvPr/>
+        </p:nvSpPr>
+        <p:spPr>
+          <a:xfrm>
+            <a:off x="2674978" y="9748434"/>
+            <a:ext cx="1399742" cy="646331"/>
+          </a:xfrm>
+          <a:prstGeom prst="rect">
+            <a:avLst/>
+          </a:prstGeom>
+          <a:noFill/>
+        </p:spPr>
+        <p:txBody>
+          <a:bodyPr wrap="none" rtlCol="0">
+            <a:spAutoFit/>
+          </a:bodyPr>
+          <a:lstStyle/>
+          <a:p>
+            <a:r>
+              <a:rPr lang="ko-KR" altLang="en-US" b="1" dirty="0"/>
+              <a:t>도와주세요</a:t>
+            </a:r>
+            <a:r>
+              <a:rPr lang="en-US" altLang="ko-KR" b="1" dirty="0"/>
+              <a:t>.</a:t>
+            </a:r>
+            <a:br>
+              <a:rPr lang="en-US" altLang="ko-KR" b="1" dirty="0"/>
+            </a:br>
+            <a:r>
+              <a:rPr lang="ko-KR" altLang="en-US" b="1" dirty="0"/>
+              <a:t>존댓말 </a:t>
+            </a:r>
+            <a:r>
+              <a:rPr lang="en-US" altLang="ko-KR" b="1" dirty="0"/>
+              <a:t> </a:t>
+            </a:r>
+            <a:endParaRPr lang="ko-KR" altLang="en-US" b="1" dirty="0"/>
+          </a:p>
+        </p:txBody>
+      </p:sp>
+      <p:sp>
+        <p:nvSpPr>
+          <p:cNvPr id="21" name="사각형: 둥근 모서리 20">
+            <a:extLst>
+              <a:ext uri="{FF2B5EF4-FFF2-40B4-BE49-F238E27FC236}">
+                <a16:creationId xmlns:a16="http://schemas.microsoft.com/office/drawing/2014/main" id="{97513B76-35A1-49B6-AEA8-456685CD5A18}"/>
+              </a:ext>
+            </a:extLst>
+          </p:cNvPr>
+          <p:cNvSpPr/>
+          <p:nvPr/>
+        </p:nvSpPr>
+        <p:spPr>
+          <a:xfrm>
+            <a:off x="505641" y="4515976"/>
+            <a:ext cx="4482743" cy="882023"/>
+          </a:xfrm>
+          <a:prstGeom prst="roundRect">
+            <a:avLst>
+              <a:gd name="adj" fmla="val 28967"/>
+            </a:avLst>
+          </a:prstGeom>
+          <a:solidFill>
+            <a:srgbClr val="41C2FD"/>
+          </a:solidFill>
+          <a:ln>
+            <a:solidFill>
+              <a:schemeClr val="accent1">
+                <a:lumMod val="60000"/>
+                <a:lumOff val="40000"/>
+              </a:schemeClr>
+            </a:solidFill>
+          </a:ln>
+        </p:spPr>
+        <p:style>
+          <a:lnRef idx="3">
+            <a:schemeClr val="lt1"/>
+          </a:lnRef>
+          <a:fillRef idx="1">
+            <a:schemeClr val="accent4"/>
+          </a:fillRef>
+          <a:effectRef idx="1">
+            <a:schemeClr val="accent4"/>
+          </a:effectRef>
+          <a:fontRef idx="minor">
+            <a:schemeClr val="lt1"/>
+          </a:fontRef>
+        </p:style>
+        <p:txBody>
+          <a:bodyPr rtlCol="0" anchor="ctr"/>
+          <a:lstStyle/>
+          <a:p>
+            <a:pPr algn="ctr"/>
+            <a:endParaRPr lang="ko-KR" altLang="en-US"/>
+          </a:p>
+        </p:txBody>
+      </p:sp>
+      <p:sp>
+        <p:nvSpPr>
+          <p:cNvPr id="22" name="사각형: 둥근 모서리 21">
+            <a:extLst>
+              <a:ext uri="{FF2B5EF4-FFF2-40B4-BE49-F238E27FC236}">
+                <a16:creationId xmlns:a16="http://schemas.microsoft.com/office/drawing/2014/main" id="{9ED8B19A-9FDF-46F1-AC8D-57AB39B768BA}"/>
+              </a:ext>
+            </a:extLst>
+          </p:cNvPr>
+          <p:cNvSpPr/>
+          <p:nvPr/>
+        </p:nvSpPr>
+        <p:spPr>
+          <a:xfrm>
+            <a:off x="1740375" y="5887399"/>
+            <a:ext cx="4482743" cy="882023"/>
+          </a:xfrm>
+          <a:prstGeom prst="roundRect">
+            <a:avLst>
+              <a:gd name="adj" fmla="val 28967"/>
+            </a:avLst>
+          </a:prstGeom>
+          <a:solidFill>
+            <a:srgbClr val="41C2FD"/>
+          </a:solidFill>
+          <a:ln>
+            <a:solidFill>
+              <a:schemeClr val="accent1">
+                <a:lumMod val="60000"/>
+                <a:lumOff val="40000"/>
+              </a:schemeClr>
+            </a:solidFill>
+          </a:ln>
+        </p:spPr>
+        <p:style>
+          <a:lnRef idx="3">
+            <a:schemeClr val="lt1"/>
+          </a:lnRef>
+          <a:fillRef idx="1">
+            <a:schemeClr val="accent4"/>
+          </a:fillRef>
+          <a:effectRef idx="1">
+            <a:schemeClr val="accent4"/>
+          </a:effectRef>
+          <a:fontRef idx="minor">
+            <a:schemeClr val="lt1"/>
+          </a:fontRef>
+        </p:style>
+        <p:txBody>
+          <a:bodyPr rtlCol="0" anchor="ctr"/>
+          <a:lstStyle/>
+          <a:p>
+            <a:pPr algn="ctr"/>
+            <a:endParaRPr lang="ko-KR" altLang="en-US"/>
+          </a:p>
+        </p:txBody>
+      </p:sp>
+      <p:sp>
+        <p:nvSpPr>
+          <p:cNvPr id="23" name="사각형: 둥근 모서리 22">
+            <a:extLst>
+              <a:ext uri="{FF2B5EF4-FFF2-40B4-BE49-F238E27FC236}">
+                <a16:creationId xmlns:a16="http://schemas.microsoft.com/office/drawing/2014/main" id="{847ABF62-3E0F-49EC-8E7C-4D07CD580745}"/>
+              </a:ext>
+            </a:extLst>
+          </p:cNvPr>
+          <p:cNvSpPr/>
+          <p:nvPr/>
+        </p:nvSpPr>
+        <p:spPr>
+          <a:xfrm>
+            <a:off x="372100" y="7258822"/>
+            <a:ext cx="4482743" cy="882023"/>
+          </a:xfrm>
+          <a:prstGeom prst="roundRect">
+            <a:avLst>
+              <a:gd name="adj" fmla="val 28967"/>
+            </a:avLst>
+          </a:prstGeom>
+          <a:solidFill>
+            <a:srgbClr val="41C2FD"/>
+          </a:solidFill>
+          <a:ln>
+            <a:solidFill>
+              <a:schemeClr val="accent1">
+                <a:lumMod val="60000"/>
+                <a:lumOff val="40000"/>
+              </a:schemeClr>
+            </a:solidFill>
+          </a:ln>
+        </p:spPr>
+        <p:style>
+          <a:lnRef idx="3">
+            <a:schemeClr val="lt1"/>
+          </a:lnRef>
+          <a:fillRef idx="1">
+            <a:schemeClr val="accent4"/>
+          </a:fillRef>
+          <a:effectRef idx="1">
+            <a:schemeClr val="accent4"/>
+          </a:effectRef>
+          <a:fontRef idx="minor">
+            <a:schemeClr val="lt1"/>
+          </a:fontRef>
+        </p:style>
+        <p:txBody>
+          <a:bodyPr rtlCol="0" anchor="ctr"/>
+          <a:lstStyle/>
+          <a:p>
+            <a:pPr algn="ctr"/>
+            <a:endParaRPr lang="ko-KR" altLang="en-US"/>
+          </a:p>
+        </p:txBody>
+      </p:sp>
+      <p:sp>
+        <p:nvSpPr>
+          <p:cNvPr id="10" name="사각형: 둥근 모서리 9">
+            <a:extLst>
+              <a:ext uri="{FF2B5EF4-FFF2-40B4-BE49-F238E27FC236}">
+                <a16:creationId xmlns:a16="http://schemas.microsoft.com/office/drawing/2014/main" id="{ED36F31B-57D4-4B6B-91B7-504CD4328EE3}"/>
+              </a:ext>
+            </a:extLst>
+          </p:cNvPr>
+          <p:cNvSpPr/>
+          <p:nvPr/>
+        </p:nvSpPr>
+        <p:spPr>
+          <a:xfrm>
+            <a:off x="19738" y="8610437"/>
+            <a:ext cx="6858000" cy="1002210"/>
+          </a:xfrm>
+          <a:prstGeom prst="roundRect">
+            <a:avLst>
+              <a:gd name="adj" fmla="val 28350"/>
+            </a:avLst>
+          </a:prstGeom>
+          <a:solidFill>
+            <a:srgbClr val="B3B8BE"/>
+          </a:solidFill>
+          <a:ln>
+            <a:solidFill>
+              <a:schemeClr val="tx1"/>
+            </a:solidFill>
+          </a:ln>
+        </p:spPr>
+        <p:style>
+          <a:lnRef idx="2">
+            <a:schemeClr val="accent4">
+              <a:shade val="50000"/>
+            </a:schemeClr>
+          </a:lnRef>
+          <a:fillRef idx="1">
+            <a:schemeClr val="accent4"/>
+          </a:fillRef>
+          <a:effectRef idx="0">
+            <a:schemeClr val="accent4"/>
+          </a:effectRef>
+          <a:fontRef idx="minor">
+            <a:schemeClr val="lt1"/>
+          </a:fontRef>
+        </p:style>
+        <p:txBody>
+          <a:bodyPr rtlCol="0" anchor="ctr"/>
+          <a:lstStyle/>
+          <a:p>
+            <a:pPr algn="ctr"/>
+            <a:r>
+              <a:rPr lang="ko-KR" altLang="ko-KR" sz="4000" b="1" dirty="0">
+                <a:solidFill>
+                  <a:schemeClr val="tx1"/>
+                </a:solidFill>
+              </a:rPr>
+              <a:t>도와</a:t>
+            </a:r>
+            <a:r>
+              <a:rPr lang="ko-KR" altLang="ko-KR" sz="4000" dirty="0"/>
+              <a:t>주세요</a:t>
+            </a:r>
+            <a:endParaRPr lang="ko-KR" altLang="en-US" sz="6000" dirty="0">
+              <a:ln>
+                <a:solidFill>
+                  <a:schemeClr val="accent1"/>
+                </a:solidFill>
+              </a:ln>
+            </a:endParaRPr>
+          </a:p>
+        </p:txBody>
+      </p:sp>
+      <p:sp>
+        <p:nvSpPr>
+          <p:cNvPr id="7" name="TextBox 6">
+            <a:extLst>
+              <a:ext uri="{FF2B5EF4-FFF2-40B4-BE49-F238E27FC236}">
+                <a16:creationId xmlns:a16="http://schemas.microsoft.com/office/drawing/2014/main" id="{5D4E787B-0CBE-4039-B672-3C1BBE9FAEE0}"/>
+              </a:ext>
+            </a:extLst>
+          </p:cNvPr>
+          <p:cNvSpPr txBox="1"/>
+          <p:nvPr/>
+        </p:nvSpPr>
+        <p:spPr>
+          <a:xfrm>
+            <a:off x="401314" y="1145450"/>
+            <a:ext cx="6035627" cy="646331"/>
+          </a:xfrm>
+          <a:prstGeom prst="rect">
+            <a:avLst/>
+          </a:prstGeom>
+          <a:noFill/>
+        </p:spPr>
+        <p:txBody>
+          <a:bodyPr wrap="none" rtlCol="0">
+            <a:spAutoFit/>
+          </a:bodyPr>
+          <a:lstStyle/>
+          <a:p>
+            <a:r>
+              <a:rPr lang="en-US" altLang="ko-KR" b="1" dirty="0">
+                <a:solidFill>
+                  <a:schemeClr val="tx1">
+                    <a:lumMod val="50000"/>
+                    <a:lumOff val="50000"/>
+                  </a:schemeClr>
+                </a:solidFill>
+              </a:rPr>
+              <a:t>(</a:t>
+            </a:r>
+            <a:r>
+              <a:rPr lang="ko-KR" altLang="ko-KR" b="1" dirty="0">
+                <a:solidFill>
+                  <a:schemeClr val="tx1">
+                    <a:lumMod val="50000"/>
+                    <a:lumOff val="50000"/>
+                  </a:schemeClr>
+                </a:solidFill>
+              </a:rPr>
+              <a:t>지하철역에서</a:t>
+            </a:r>
+            <a:r>
+              <a:rPr lang="en-US" altLang="ko-KR" b="1" dirty="0">
+                <a:solidFill>
+                  <a:schemeClr val="tx1">
+                    <a:lumMod val="50000"/>
+                    <a:lumOff val="50000"/>
+                  </a:schemeClr>
+                </a:solidFill>
+              </a:rPr>
+              <a:t> A </a:t>
+            </a:r>
+            <a:r>
+              <a:rPr lang="ko-KR" altLang="ko-KR" b="1" dirty="0">
+                <a:solidFill>
+                  <a:schemeClr val="tx1">
+                    <a:lumMod val="50000"/>
+                    <a:lumOff val="50000"/>
+                  </a:schemeClr>
+                </a:solidFill>
+              </a:rPr>
+              <a:t>씨는 도움을 받으려고</a:t>
+            </a:r>
+            <a:r>
+              <a:rPr lang="en-US" altLang="ko-KR" b="1" dirty="0">
+                <a:solidFill>
+                  <a:schemeClr val="tx1">
+                    <a:lumMod val="50000"/>
+                    <a:lumOff val="50000"/>
+                  </a:schemeClr>
+                </a:solidFill>
+              </a:rPr>
+              <a:t> ‘</a:t>
+            </a:r>
+            <a:r>
+              <a:rPr lang="ko-KR" altLang="ko-KR" b="1" dirty="0">
+                <a:solidFill>
+                  <a:srgbClr val="FF0000"/>
+                </a:solidFill>
+              </a:rPr>
+              <a:t>호출</a:t>
+            </a:r>
+            <a:r>
+              <a:rPr lang="ko-KR" altLang="ko-KR" b="1" dirty="0">
+                <a:solidFill>
+                  <a:schemeClr val="tx1">
+                    <a:lumMod val="50000"/>
+                    <a:lumOff val="50000"/>
+                  </a:schemeClr>
+                </a:solidFill>
+              </a:rPr>
+              <a:t> 버튼</a:t>
+            </a:r>
+            <a:r>
+              <a:rPr lang="en-US" altLang="ko-KR" b="1" dirty="0">
+                <a:solidFill>
+                  <a:schemeClr val="tx1">
+                    <a:lumMod val="50000"/>
+                    <a:lumOff val="50000"/>
+                  </a:schemeClr>
+                </a:solidFill>
+              </a:rPr>
+              <a:t>’</a:t>
+            </a:r>
+            <a:r>
+              <a:rPr lang="ko-KR" altLang="ko-KR" b="1" dirty="0">
+                <a:solidFill>
+                  <a:schemeClr val="tx1">
+                    <a:lumMod val="50000"/>
+                    <a:lumOff val="50000"/>
+                  </a:schemeClr>
+                </a:solidFill>
+              </a:rPr>
+              <a:t>을 누름</a:t>
+            </a:r>
+            <a:r>
+              <a:rPr lang="en-US" altLang="ko-KR" b="1" dirty="0">
+                <a:solidFill>
+                  <a:schemeClr val="tx1">
+                    <a:lumMod val="50000"/>
+                    <a:lumOff val="50000"/>
+                  </a:schemeClr>
+                </a:solidFill>
+              </a:rPr>
+              <a:t>)</a:t>
+            </a:r>
+            <a:endParaRPr lang="ko-KR" altLang="ko-KR" b="1" dirty="0">
+              <a:solidFill>
+                <a:schemeClr val="tx1">
+                  <a:lumMod val="50000"/>
+                  <a:lumOff val="50000"/>
+                </a:schemeClr>
+              </a:solidFill>
+            </a:endParaRPr>
+          </a:p>
+          <a:p>
+            <a:endParaRPr lang="ko-KR" altLang="en-US" dirty="0"/>
+          </a:p>
+        </p:txBody>
+      </p:sp>
+      <p:pic>
+        <p:nvPicPr>
+          <p:cNvPr id="12" name="그림 11">
+            <a:extLst>
+              <a:ext uri="{FF2B5EF4-FFF2-40B4-BE49-F238E27FC236}">
+                <a16:creationId xmlns:a16="http://schemas.microsoft.com/office/drawing/2014/main" id="{C8FEEDD0-0BE9-4311-BC46-0F3353E1F977}"/>
+              </a:ext>
+            </a:extLst>
+          </p:cNvPr>
+          <p:cNvPicPr>
+            <a:picLocks noChangeAspect="1"/>
+          </p:cNvPicPr>
+          <p:nvPr/>
+        </p:nvPicPr>
+        <p:blipFill>
+          <a:blip r:embed="rId3">
+            <a:extLst>
+              <a:ext uri="{28A0092B-C50C-407E-A947-70E740481C1C}">
+                <a14:useLocalDpi xmlns:a14="http://schemas.microsoft.com/office/drawing/2010/main" val="0"/>
+              </a:ext>
+              <a:ext uri="{837473B0-CC2E-450A-ABE3-18F120FF3D39}">
+                <a1611:picAttrSrcUrl xmlns:a1611="http://schemas.microsoft.com/office/drawing/2016/11/main" r:id="rId4"/>
+              </a:ext>
+            </a:extLst>
+          </a:blip>
+          <a:stretch>
+            <a:fillRect/>
+          </a:stretch>
+        </p:blipFill>
+        <p:spPr>
+          <a:xfrm>
+            <a:off x="401314" y="9863646"/>
+            <a:ext cx="1991532" cy="2137051"/>
+          </a:xfrm>
+          <a:prstGeom prst="rect">
+            <a:avLst/>
+          </a:prstGeom>
+        </p:spPr>
+      </p:pic>
+    </p:spTree>
+    <p:extLst>
+      <p:ext uri="{BB962C8B-B14F-4D97-AF65-F5344CB8AC3E}">
+        <p14:creationId xmlns:p14="http://schemas.microsoft.com/office/powerpoint/2010/main" val="1735934996"/>
+      </p:ext>
+    </p:extLst>
+  </p:cSld>
+  <p:clrMapOvr>
+    <a:masterClrMapping/>
+  </p:clrMapOvr>
+</p:sld>
+</file>
+
 <file path=ppt/slides/slide2.xml><?xml version="1.0" encoding="utf-8"?>
 <p:sld xmlns:a="http://schemas.openxmlformats.org/drawingml/2006/main" xmlns:r="http://schemas.openxmlformats.org/officeDocument/2006/relationships" xmlns:p="http://schemas.openxmlformats.org/presentationml/2006/main">
   <p:cSld>
@@ -9145,6 +11546,14 @@
           <a:prstGeom prst="rect">
             <a:avLst/>
           </a:prstGeom>
+          <a:solidFill>
+            <a:srgbClr val="41C2FD"/>
+          </a:solidFill>
+          <a:ln>
+            <a:solidFill>
+              <a:srgbClr val="139AFD"/>
+            </a:solidFill>
+          </a:ln>
         </p:spPr>
       </p:pic>
     </p:spTree>
